--- a/Pictures/Figures/Figure 7.pptx
+++ b/Pictures/Figures/Figure 7.pptx
@@ -2,12 +2,12 @@
 <file path=ppt/presentation.xml><?xml version="1.0" encoding="utf-8"?>
 <p:presentation xmlns:a="http://schemas.openxmlformats.org/drawingml/2006/main" xmlns:r="http://schemas.openxmlformats.org/officeDocument/2006/relationships" xmlns:p="http://schemas.openxmlformats.org/presentationml/2006/main" saveSubsetFonts="1">
   <p:sldMasterIdLst>
-    <p:sldMasterId id="2147483660" r:id="rId1"/>
+    <p:sldMasterId id="2147483708" r:id="rId1"/>
   </p:sldMasterIdLst>
   <p:sldIdLst>
     <p:sldId id="256" r:id="rId2"/>
   </p:sldIdLst>
-  <p:sldSz cx="9144000" cy="2743200"/>
+  <p:sldSz cx="9144000" cy="4800600"/>
   <p:notesSz cx="6858000" cy="9144000"/>
   <p:defaultTextStyle>
     <a:defPPr>
@@ -104,6 +104,11 @@
       </a:defRPr>
     </a:lvl9pPr>
   </p:defaultTextStyle>
+  <p:extLst>
+    <p:ext uri="{EFAFB233-063F-42B5-8137-9DF3F51BA10A}">
+      <p15:sldGuideLst xmlns:p15="http://schemas.microsoft.com/office/powerpoint/2012/main"/>
+    </p:ext>
+  </p:extLst>
 </p:presentation>
 </file>
 
@@ -136,15 +141,15 @@
         </p:nvSpPr>
         <p:spPr>
           <a:xfrm>
-            <a:off x="1143000" y="448945"/>
-            <a:ext cx="6858000" cy="955040"/>
+            <a:off x="1143000" y="785654"/>
+            <a:ext cx="6858000" cy="1671320"/>
           </a:xfrm>
         </p:spPr>
         <p:txBody>
           <a:bodyPr anchor="b"/>
           <a:lstStyle>
             <a:lvl1pPr algn="ctr">
-              <a:defRPr sz="2400"/>
+              <a:defRPr sz="4200"/>
             </a:lvl1pPr>
           </a:lstStyle>
           <a:p>
@@ -168,8 +173,8 @@
         </p:nvSpPr>
         <p:spPr>
           <a:xfrm>
-            <a:off x="1143000" y="1440815"/>
-            <a:ext cx="6858000" cy="662305"/>
+            <a:off x="1143000" y="2521427"/>
+            <a:ext cx="6858000" cy="1159033"/>
           </a:xfrm>
         </p:spPr>
         <p:txBody>
@@ -177,39 +182,39 @@
           <a:lstStyle>
             <a:lvl1pPr marL="0" indent="0" algn="ctr">
               <a:buNone/>
-              <a:defRPr sz="960"/>
+              <a:defRPr sz="1680"/>
             </a:lvl1pPr>
-            <a:lvl2pPr marL="182880" indent="0" algn="ctr">
-              <a:buNone/>
-              <a:defRPr sz="800"/>
+            <a:lvl2pPr marL="320040" indent="0" algn="ctr">
+              <a:buNone/>
+              <a:defRPr sz="1400"/>
             </a:lvl2pPr>
-            <a:lvl3pPr marL="365760" indent="0" algn="ctr">
-              <a:buNone/>
-              <a:defRPr sz="720"/>
+            <a:lvl3pPr marL="640080" indent="0" algn="ctr">
+              <a:buNone/>
+              <a:defRPr sz="1260"/>
             </a:lvl3pPr>
-            <a:lvl4pPr marL="548640" indent="0" algn="ctr">
-              <a:buNone/>
-              <a:defRPr sz="640"/>
+            <a:lvl4pPr marL="960120" indent="0" algn="ctr">
+              <a:buNone/>
+              <a:defRPr sz="1120"/>
             </a:lvl4pPr>
-            <a:lvl5pPr marL="731520" indent="0" algn="ctr">
-              <a:buNone/>
-              <a:defRPr sz="640"/>
+            <a:lvl5pPr marL="1280160" indent="0" algn="ctr">
+              <a:buNone/>
+              <a:defRPr sz="1120"/>
             </a:lvl5pPr>
-            <a:lvl6pPr marL="914400" indent="0" algn="ctr">
-              <a:buNone/>
-              <a:defRPr sz="640"/>
+            <a:lvl6pPr marL="1600200" indent="0" algn="ctr">
+              <a:buNone/>
+              <a:defRPr sz="1120"/>
             </a:lvl6pPr>
-            <a:lvl7pPr marL="1097280" indent="0" algn="ctr">
-              <a:buNone/>
-              <a:defRPr sz="640"/>
+            <a:lvl7pPr marL="1920240" indent="0" algn="ctr">
+              <a:buNone/>
+              <a:defRPr sz="1120"/>
             </a:lvl7pPr>
-            <a:lvl8pPr marL="1280160" indent="0" algn="ctr">
-              <a:buNone/>
-              <a:defRPr sz="640"/>
+            <a:lvl8pPr marL="2240280" indent="0" algn="ctr">
+              <a:buNone/>
+              <a:defRPr sz="1120"/>
             </a:lvl8pPr>
-            <a:lvl9pPr marL="1463040" indent="0" algn="ctr">
-              <a:buNone/>
-              <a:defRPr sz="640"/>
+            <a:lvl9pPr marL="2560320" indent="0" algn="ctr">
+              <a:buNone/>
+              <a:defRPr sz="1120"/>
             </a:lvl9pPr>
           </a:lstStyle>
           <a:p>
@@ -236,9 +241,9 @@
           <a:bodyPr/>
           <a:lstStyle/>
           <a:p>
-            <a:fld id="{568F182D-5CCD-4052-9931-92819F05CA8B}" type="datetimeFigureOut">
+            <a:fld id="{79A7C8EE-9AF8-432A-85B8-E2AF337ED788}" type="datetimeFigureOut">
               <a:rPr lang="en-US" smtClean="0"/>
-              <a:t>11/3/2022</a:t>
+              <a:t>11/13/2022</a:t>
             </a:fld>
             <a:endParaRPr lang="en-US"/>
           </a:p>
@@ -278,7 +283,7 @@
           <a:bodyPr/>
           <a:lstStyle/>
           <a:p>
-            <a:fld id="{CB71CBD7-3BB3-4FBF-8565-E5AB240A50D7}" type="slidenum">
+            <a:fld id="{97496E7D-52D3-48AD-A0E7-239B0BF63D91}" type="slidenum">
               <a:rPr lang="en-US" smtClean="0"/>
               <a:t>‹#›</a:t>
             </a:fld>
@@ -289,7 +294,7 @@
     </p:spTree>
     <p:extLst>
       <p:ext uri="{BB962C8B-B14F-4D97-AF65-F5344CB8AC3E}">
-        <p14:creationId xmlns:p14="http://schemas.microsoft.com/office/powerpoint/2010/main" val="1983646749"/>
+        <p14:creationId xmlns:p14="http://schemas.microsoft.com/office/powerpoint/2010/main" val="840836439"/>
       </p:ext>
     </p:extLst>
   </p:cSld>
@@ -406,9 +411,9 @@
           <a:bodyPr/>
           <a:lstStyle/>
           <a:p>
-            <a:fld id="{568F182D-5CCD-4052-9931-92819F05CA8B}" type="datetimeFigureOut">
+            <a:fld id="{79A7C8EE-9AF8-432A-85B8-E2AF337ED788}" type="datetimeFigureOut">
               <a:rPr lang="en-US" smtClean="0"/>
-              <a:t>11/3/2022</a:t>
+              <a:t>11/13/2022</a:t>
             </a:fld>
             <a:endParaRPr lang="en-US"/>
           </a:p>
@@ -448,7 +453,7 @@
           <a:bodyPr/>
           <a:lstStyle/>
           <a:p>
-            <a:fld id="{CB71CBD7-3BB3-4FBF-8565-E5AB240A50D7}" type="slidenum">
+            <a:fld id="{97496E7D-52D3-48AD-A0E7-239B0BF63D91}" type="slidenum">
               <a:rPr lang="en-US" smtClean="0"/>
               <a:t>‹#›</a:t>
             </a:fld>
@@ -459,7 +464,7 @@
     </p:spTree>
     <p:extLst>
       <p:ext uri="{BB962C8B-B14F-4D97-AF65-F5344CB8AC3E}">
-        <p14:creationId xmlns:p14="http://schemas.microsoft.com/office/powerpoint/2010/main" val="3116383964"/>
+        <p14:creationId xmlns:p14="http://schemas.microsoft.com/office/powerpoint/2010/main" val="2498689272"/>
       </p:ext>
     </p:extLst>
   </p:cSld>
@@ -498,8 +503,8 @@
         </p:nvSpPr>
         <p:spPr>
           <a:xfrm>
-            <a:off x="6543675" y="146050"/>
-            <a:ext cx="1971675" cy="2324735"/>
+            <a:off x="6543675" y="255587"/>
+            <a:ext cx="1971675" cy="4068287"/>
           </a:xfrm>
         </p:spPr>
         <p:txBody>
@@ -526,8 +531,8 @@
         </p:nvSpPr>
         <p:spPr>
           <a:xfrm>
-            <a:off x="628650" y="146050"/>
-            <a:ext cx="5800725" cy="2324735"/>
+            <a:off x="628650" y="255587"/>
+            <a:ext cx="5800725" cy="4068287"/>
           </a:xfrm>
         </p:spPr>
         <p:txBody>
@@ -586,9 +591,9 @@
           <a:bodyPr/>
           <a:lstStyle/>
           <a:p>
-            <a:fld id="{568F182D-5CCD-4052-9931-92819F05CA8B}" type="datetimeFigureOut">
+            <a:fld id="{79A7C8EE-9AF8-432A-85B8-E2AF337ED788}" type="datetimeFigureOut">
               <a:rPr lang="en-US" smtClean="0"/>
-              <a:t>11/3/2022</a:t>
+              <a:t>11/13/2022</a:t>
             </a:fld>
             <a:endParaRPr lang="en-US"/>
           </a:p>
@@ -628,7 +633,7 @@
           <a:bodyPr/>
           <a:lstStyle/>
           <a:p>
-            <a:fld id="{CB71CBD7-3BB3-4FBF-8565-E5AB240A50D7}" type="slidenum">
+            <a:fld id="{97496E7D-52D3-48AD-A0E7-239B0BF63D91}" type="slidenum">
               <a:rPr lang="en-US" smtClean="0"/>
               <a:t>‹#›</a:t>
             </a:fld>
@@ -639,7 +644,7 @@
     </p:spTree>
     <p:extLst>
       <p:ext uri="{BB962C8B-B14F-4D97-AF65-F5344CB8AC3E}">
-        <p14:creationId xmlns:p14="http://schemas.microsoft.com/office/powerpoint/2010/main" val="2053762084"/>
+        <p14:creationId xmlns:p14="http://schemas.microsoft.com/office/powerpoint/2010/main" val="2065575835"/>
       </p:ext>
     </p:extLst>
   </p:cSld>
@@ -756,9 +761,9 @@
           <a:bodyPr/>
           <a:lstStyle/>
           <a:p>
-            <a:fld id="{568F182D-5CCD-4052-9931-92819F05CA8B}" type="datetimeFigureOut">
+            <a:fld id="{79A7C8EE-9AF8-432A-85B8-E2AF337ED788}" type="datetimeFigureOut">
               <a:rPr lang="en-US" smtClean="0"/>
-              <a:t>11/3/2022</a:t>
+              <a:t>11/13/2022</a:t>
             </a:fld>
             <a:endParaRPr lang="en-US"/>
           </a:p>
@@ -798,7 +803,7 @@
           <a:bodyPr/>
           <a:lstStyle/>
           <a:p>
-            <a:fld id="{CB71CBD7-3BB3-4FBF-8565-E5AB240A50D7}" type="slidenum">
+            <a:fld id="{97496E7D-52D3-48AD-A0E7-239B0BF63D91}" type="slidenum">
               <a:rPr lang="en-US" smtClean="0"/>
               <a:t>‹#›</a:t>
             </a:fld>
@@ -809,7 +814,7 @@
     </p:spTree>
     <p:extLst>
       <p:ext uri="{BB962C8B-B14F-4D97-AF65-F5344CB8AC3E}">
-        <p14:creationId xmlns:p14="http://schemas.microsoft.com/office/powerpoint/2010/main" val="4125771643"/>
+        <p14:creationId xmlns:p14="http://schemas.microsoft.com/office/powerpoint/2010/main" val="3031488220"/>
       </p:ext>
     </p:extLst>
   </p:cSld>
@@ -848,15 +853,15 @@
         </p:nvSpPr>
         <p:spPr>
           <a:xfrm>
-            <a:off x="623888" y="683895"/>
-            <a:ext cx="7886700" cy="1141095"/>
+            <a:off x="623888" y="1196817"/>
+            <a:ext cx="7886700" cy="1996916"/>
           </a:xfrm>
         </p:spPr>
         <p:txBody>
           <a:bodyPr anchor="b"/>
           <a:lstStyle>
             <a:lvl1pPr>
-              <a:defRPr sz="2400"/>
+              <a:defRPr sz="4200"/>
             </a:lvl1pPr>
           </a:lstStyle>
           <a:p>
@@ -880,8 +885,8 @@
         </p:nvSpPr>
         <p:spPr>
           <a:xfrm>
-            <a:off x="623888" y="1835785"/>
-            <a:ext cx="7886700" cy="600075"/>
+            <a:off x="623888" y="3212624"/>
+            <a:ext cx="7886700" cy="1050131"/>
           </a:xfrm>
         </p:spPr>
         <p:txBody>
@@ -889,7 +894,7 @@
           <a:lstStyle>
             <a:lvl1pPr marL="0" indent="0">
               <a:buNone/>
-              <a:defRPr sz="960">
+              <a:defRPr sz="1680">
                 <a:solidFill>
                   <a:schemeClr val="tx1">
                     <a:tint val="75000"/>
@@ -897,9 +902,9 @@
                 </a:solidFill>
               </a:defRPr>
             </a:lvl1pPr>
-            <a:lvl2pPr marL="182880" indent="0">
-              <a:buNone/>
-              <a:defRPr sz="800">
+            <a:lvl2pPr marL="320040" indent="0">
+              <a:buNone/>
+              <a:defRPr sz="1400">
                 <a:solidFill>
                   <a:schemeClr val="tx1">
                     <a:tint val="75000"/>
@@ -907,9 +912,9 @@
                 </a:solidFill>
               </a:defRPr>
             </a:lvl2pPr>
-            <a:lvl3pPr marL="365760" indent="0">
-              <a:buNone/>
-              <a:defRPr sz="720">
+            <a:lvl3pPr marL="640080" indent="0">
+              <a:buNone/>
+              <a:defRPr sz="1260">
                 <a:solidFill>
                   <a:schemeClr val="tx1">
                     <a:tint val="75000"/>
@@ -917,9 +922,9 @@
                 </a:solidFill>
               </a:defRPr>
             </a:lvl3pPr>
-            <a:lvl4pPr marL="548640" indent="0">
-              <a:buNone/>
-              <a:defRPr sz="640">
+            <a:lvl4pPr marL="960120" indent="0">
+              <a:buNone/>
+              <a:defRPr sz="1120">
                 <a:solidFill>
                   <a:schemeClr val="tx1">
                     <a:tint val="75000"/>
@@ -927,9 +932,9 @@
                 </a:solidFill>
               </a:defRPr>
             </a:lvl4pPr>
-            <a:lvl5pPr marL="731520" indent="0">
-              <a:buNone/>
-              <a:defRPr sz="640">
+            <a:lvl5pPr marL="1280160" indent="0">
+              <a:buNone/>
+              <a:defRPr sz="1120">
                 <a:solidFill>
                   <a:schemeClr val="tx1">
                     <a:tint val="75000"/>
@@ -937,9 +942,9 @@
                 </a:solidFill>
               </a:defRPr>
             </a:lvl5pPr>
-            <a:lvl6pPr marL="914400" indent="0">
-              <a:buNone/>
-              <a:defRPr sz="640">
+            <a:lvl6pPr marL="1600200" indent="0">
+              <a:buNone/>
+              <a:defRPr sz="1120">
                 <a:solidFill>
                   <a:schemeClr val="tx1">
                     <a:tint val="75000"/>
@@ -947,9 +952,9 @@
                 </a:solidFill>
               </a:defRPr>
             </a:lvl6pPr>
-            <a:lvl7pPr marL="1097280" indent="0">
-              <a:buNone/>
-              <a:defRPr sz="640">
+            <a:lvl7pPr marL="1920240" indent="0">
+              <a:buNone/>
+              <a:defRPr sz="1120">
                 <a:solidFill>
                   <a:schemeClr val="tx1">
                     <a:tint val="75000"/>
@@ -957,9 +962,9 @@
                 </a:solidFill>
               </a:defRPr>
             </a:lvl7pPr>
-            <a:lvl8pPr marL="1280160" indent="0">
-              <a:buNone/>
-              <a:defRPr sz="640">
+            <a:lvl8pPr marL="2240280" indent="0">
+              <a:buNone/>
+              <a:defRPr sz="1120">
                 <a:solidFill>
                   <a:schemeClr val="tx1">
                     <a:tint val="75000"/>
@@ -967,9 +972,9 @@
                 </a:solidFill>
               </a:defRPr>
             </a:lvl8pPr>
-            <a:lvl9pPr marL="1463040" indent="0">
-              <a:buNone/>
-              <a:defRPr sz="640">
+            <a:lvl9pPr marL="2560320" indent="0">
+              <a:buNone/>
+              <a:defRPr sz="1120">
                 <a:solidFill>
                   <a:schemeClr val="tx1">
                     <a:tint val="75000"/>
@@ -1002,9 +1007,9 @@
           <a:bodyPr/>
           <a:lstStyle/>
           <a:p>
-            <a:fld id="{568F182D-5CCD-4052-9931-92819F05CA8B}" type="datetimeFigureOut">
+            <a:fld id="{79A7C8EE-9AF8-432A-85B8-E2AF337ED788}" type="datetimeFigureOut">
               <a:rPr lang="en-US" smtClean="0"/>
-              <a:t>11/3/2022</a:t>
+              <a:t>11/13/2022</a:t>
             </a:fld>
             <a:endParaRPr lang="en-US"/>
           </a:p>
@@ -1044,7 +1049,7 @@
           <a:bodyPr/>
           <a:lstStyle/>
           <a:p>
-            <a:fld id="{CB71CBD7-3BB3-4FBF-8565-E5AB240A50D7}" type="slidenum">
+            <a:fld id="{97496E7D-52D3-48AD-A0E7-239B0BF63D91}" type="slidenum">
               <a:rPr lang="en-US" smtClean="0"/>
               <a:t>‹#›</a:t>
             </a:fld>
@@ -1055,7 +1060,7 @@
     </p:spTree>
     <p:extLst>
       <p:ext uri="{BB962C8B-B14F-4D97-AF65-F5344CB8AC3E}">
-        <p14:creationId xmlns:p14="http://schemas.microsoft.com/office/powerpoint/2010/main" val="1378005386"/>
+        <p14:creationId xmlns:p14="http://schemas.microsoft.com/office/powerpoint/2010/main" val="4097829288"/>
       </p:ext>
     </p:extLst>
   </p:cSld>
@@ -1117,8 +1122,8 @@
         </p:nvSpPr>
         <p:spPr>
           <a:xfrm>
-            <a:off x="628650" y="730250"/>
-            <a:ext cx="3886200" cy="1740535"/>
+            <a:off x="628650" y="1277937"/>
+            <a:ext cx="3886200" cy="3045937"/>
           </a:xfrm>
         </p:spPr>
         <p:txBody>
@@ -1174,8 +1179,8 @@
         </p:nvSpPr>
         <p:spPr>
           <a:xfrm>
-            <a:off x="4629150" y="730250"/>
-            <a:ext cx="3886200" cy="1740535"/>
+            <a:off x="4629150" y="1277937"/>
+            <a:ext cx="3886200" cy="3045937"/>
           </a:xfrm>
         </p:spPr>
         <p:txBody>
@@ -1234,9 +1239,9 @@
           <a:bodyPr/>
           <a:lstStyle/>
           <a:p>
-            <a:fld id="{568F182D-5CCD-4052-9931-92819F05CA8B}" type="datetimeFigureOut">
+            <a:fld id="{79A7C8EE-9AF8-432A-85B8-E2AF337ED788}" type="datetimeFigureOut">
               <a:rPr lang="en-US" smtClean="0"/>
-              <a:t>11/3/2022</a:t>
+              <a:t>11/13/2022</a:t>
             </a:fld>
             <a:endParaRPr lang="en-US"/>
           </a:p>
@@ -1276,7 +1281,7 @@
           <a:bodyPr/>
           <a:lstStyle/>
           <a:p>
-            <a:fld id="{CB71CBD7-3BB3-4FBF-8565-E5AB240A50D7}" type="slidenum">
+            <a:fld id="{97496E7D-52D3-48AD-A0E7-239B0BF63D91}" type="slidenum">
               <a:rPr lang="en-US" smtClean="0"/>
               <a:t>‹#›</a:t>
             </a:fld>
@@ -1287,7 +1292,7 @@
     </p:spTree>
     <p:extLst>
       <p:ext uri="{BB962C8B-B14F-4D97-AF65-F5344CB8AC3E}">
-        <p14:creationId xmlns:p14="http://schemas.microsoft.com/office/powerpoint/2010/main" val="727548037"/>
+        <p14:creationId xmlns:p14="http://schemas.microsoft.com/office/powerpoint/2010/main" val="1203891489"/>
       </p:ext>
     </p:extLst>
   </p:cSld>
@@ -1326,8 +1331,8 @@
         </p:nvSpPr>
         <p:spPr>
           <a:xfrm>
-            <a:off x="629841" y="146050"/>
-            <a:ext cx="7886700" cy="530225"/>
+            <a:off x="629841" y="255588"/>
+            <a:ext cx="7886700" cy="927894"/>
           </a:xfrm>
         </p:spPr>
         <p:txBody>
@@ -1354,8 +1359,8 @@
         </p:nvSpPr>
         <p:spPr>
           <a:xfrm>
-            <a:off x="629842" y="672465"/>
-            <a:ext cx="3868340" cy="329565"/>
+            <a:off x="629842" y="1176814"/>
+            <a:ext cx="3868340" cy="576738"/>
           </a:xfrm>
         </p:spPr>
         <p:txBody>
@@ -1363,39 +1368,39 @@
           <a:lstStyle>
             <a:lvl1pPr marL="0" indent="0">
               <a:buNone/>
-              <a:defRPr sz="960" b="1"/>
+              <a:defRPr sz="1680" b="1"/>
             </a:lvl1pPr>
-            <a:lvl2pPr marL="182880" indent="0">
-              <a:buNone/>
-              <a:defRPr sz="800" b="1"/>
+            <a:lvl2pPr marL="320040" indent="0">
+              <a:buNone/>
+              <a:defRPr sz="1400" b="1"/>
             </a:lvl2pPr>
-            <a:lvl3pPr marL="365760" indent="0">
-              <a:buNone/>
-              <a:defRPr sz="720" b="1"/>
+            <a:lvl3pPr marL="640080" indent="0">
+              <a:buNone/>
+              <a:defRPr sz="1260" b="1"/>
             </a:lvl3pPr>
-            <a:lvl4pPr marL="548640" indent="0">
-              <a:buNone/>
-              <a:defRPr sz="640" b="1"/>
+            <a:lvl4pPr marL="960120" indent="0">
+              <a:buNone/>
+              <a:defRPr sz="1120" b="1"/>
             </a:lvl4pPr>
-            <a:lvl5pPr marL="731520" indent="0">
-              <a:buNone/>
-              <a:defRPr sz="640" b="1"/>
+            <a:lvl5pPr marL="1280160" indent="0">
+              <a:buNone/>
+              <a:defRPr sz="1120" b="1"/>
             </a:lvl5pPr>
-            <a:lvl6pPr marL="914400" indent="0">
-              <a:buNone/>
-              <a:defRPr sz="640" b="1"/>
+            <a:lvl6pPr marL="1600200" indent="0">
+              <a:buNone/>
+              <a:defRPr sz="1120" b="1"/>
             </a:lvl6pPr>
-            <a:lvl7pPr marL="1097280" indent="0">
-              <a:buNone/>
-              <a:defRPr sz="640" b="1"/>
+            <a:lvl7pPr marL="1920240" indent="0">
+              <a:buNone/>
+              <a:defRPr sz="1120" b="1"/>
             </a:lvl7pPr>
-            <a:lvl8pPr marL="1280160" indent="0">
-              <a:buNone/>
-              <a:defRPr sz="640" b="1"/>
+            <a:lvl8pPr marL="2240280" indent="0">
+              <a:buNone/>
+              <a:defRPr sz="1120" b="1"/>
             </a:lvl8pPr>
-            <a:lvl9pPr marL="1463040" indent="0">
-              <a:buNone/>
-              <a:defRPr sz="640" b="1"/>
+            <a:lvl9pPr marL="2560320" indent="0">
+              <a:buNone/>
+              <a:defRPr sz="1120" b="1"/>
             </a:lvl9pPr>
           </a:lstStyle>
           <a:p>
@@ -1419,8 +1424,8 @@
         </p:nvSpPr>
         <p:spPr>
           <a:xfrm>
-            <a:off x="629842" y="1002030"/>
-            <a:ext cx="3868340" cy="1473835"/>
+            <a:off x="629842" y="1753552"/>
+            <a:ext cx="3868340" cy="2579212"/>
           </a:xfrm>
         </p:spPr>
         <p:txBody>
@@ -1476,8 +1481,8 @@
         </p:nvSpPr>
         <p:spPr>
           <a:xfrm>
-            <a:off x="4629150" y="672465"/>
-            <a:ext cx="3887391" cy="329565"/>
+            <a:off x="4629150" y="1176814"/>
+            <a:ext cx="3887391" cy="576738"/>
           </a:xfrm>
         </p:spPr>
         <p:txBody>
@@ -1485,39 +1490,39 @@
           <a:lstStyle>
             <a:lvl1pPr marL="0" indent="0">
               <a:buNone/>
-              <a:defRPr sz="960" b="1"/>
+              <a:defRPr sz="1680" b="1"/>
             </a:lvl1pPr>
-            <a:lvl2pPr marL="182880" indent="0">
-              <a:buNone/>
-              <a:defRPr sz="800" b="1"/>
+            <a:lvl2pPr marL="320040" indent="0">
+              <a:buNone/>
+              <a:defRPr sz="1400" b="1"/>
             </a:lvl2pPr>
-            <a:lvl3pPr marL="365760" indent="0">
-              <a:buNone/>
-              <a:defRPr sz="720" b="1"/>
+            <a:lvl3pPr marL="640080" indent="0">
+              <a:buNone/>
+              <a:defRPr sz="1260" b="1"/>
             </a:lvl3pPr>
-            <a:lvl4pPr marL="548640" indent="0">
-              <a:buNone/>
-              <a:defRPr sz="640" b="1"/>
+            <a:lvl4pPr marL="960120" indent="0">
+              <a:buNone/>
+              <a:defRPr sz="1120" b="1"/>
             </a:lvl4pPr>
-            <a:lvl5pPr marL="731520" indent="0">
-              <a:buNone/>
-              <a:defRPr sz="640" b="1"/>
+            <a:lvl5pPr marL="1280160" indent="0">
+              <a:buNone/>
+              <a:defRPr sz="1120" b="1"/>
             </a:lvl5pPr>
-            <a:lvl6pPr marL="914400" indent="0">
-              <a:buNone/>
-              <a:defRPr sz="640" b="1"/>
+            <a:lvl6pPr marL="1600200" indent="0">
+              <a:buNone/>
+              <a:defRPr sz="1120" b="1"/>
             </a:lvl6pPr>
-            <a:lvl7pPr marL="1097280" indent="0">
-              <a:buNone/>
-              <a:defRPr sz="640" b="1"/>
+            <a:lvl7pPr marL="1920240" indent="0">
+              <a:buNone/>
+              <a:defRPr sz="1120" b="1"/>
             </a:lvl7pPr>
-            <a:lvl8pPr marL="1280160" indent="0">
-              <a:buNone/>
-              <a:defRPr sz="640" b="1"/>
+            <a:lvl8pPr marL="2240280" indent="0">
+              <a:buNone/>
+              <a:defRPr sz="1120" b="1"/>
             </a:lvl8pPr>
-            <a:lvl9pPr marL="1463040" indent="0">
-              <a:buNone/>
-              <a:defRPr sz="640" b="1"/>
+            <a:lvl9pPr marL="2560320" indent="0">
+              <a:buNone/>
+              <a:defRPr sz="1120" b="1"/>
             </a:lvl9pPr>
           </a:lstStyle>
           <a:p>
@@ -1541,8 +1546,8 @@
         </p:nvSpPr>
         <p:spPr>
           <a:xfrm>
-            <a:off x="4629150" y="1002030"/>
-            <a:ext cx="3887391" cy="1473835"/>
+            <a:off x="4629150" y="1753552"/>
+            <a:ext cx="3887391" cy="2579212"/>
           </a:xfrm>
         </p:spPr>
         <p:txBody>
@@ -1601,9 +1606,9 @@
           <a:bodyPr/>
           <a:lstStyle/>
           <a:p>
-            <a:fld id="{568F182D-5CCD-4052-9931-92819F05CA8B}" type="datetimeFigureOut">
+            <a:fld id="{79A7C8EE-9AF8-432A-85B8-E2AF337ED788}" type="datetimeFigureOut">
               <a:rPr lang="en-US" smtClean="0"/>
-              <a:t>11/3/2022</a:t>
+              <a:t>11/13/2022</a:t>
             </a:fld>
             <a:endParaRPr lang="en-US"/>
           </a:p>
@@ -1643,7 +1648,7 @@
           <a:bodyPr/>
           <a:lstStyle/>
           <a:p>
-            <a:fld id="{CB71CBD7-3BB3-4FBF-8565-E5AB240A50D7}" type="slidenum">
+            <a:fld id="{97496E7D-52D3-48AD-A0E7-239B0BF63D91}" type="slidenum">
               <a:rPr lang="en-US" smtClean="0"/>
               <a:t>‹#›</a:t>
             </a:fld>
@@ -1654,7 +1659,7 @@
     </p:spTree>
     <p:extLst>
       <p:ext uri="{BB962C8B-B14F-4D97-AF65-F5344CB8AC3E}">
-        <p14:creationId xmlns:p14="http://schemas.microsoft.com/office/powerpoint/2010/main" val="3906472362"/>
+        <p14:creationId xmlns:p14="http://schemas.microsoft.com/office/powerpoint/2010/main" val="477973555"/>
       </p:ext>
     </p:extLst>
   </p:cSld>
@@ -1719,9 +1724,9 @@
           <a:bodyPr/>
           <a:lstStyle/>
           <a:p>
-            <a:fld id="{568F182D-5CCD-4052-9931-92819F05CA8B}" type="datetimeFigureOut">
+            <a:fld id="{79A7C8EE-9AF8-432A-85B8-E2AF337ED788}" type="datetimeFigureOut">
               <a:rPr lang="en-US" smtClean="0"/>
-              <a:t>11/3/2022</a:t>
+              <a:t>11/13/2022</a:t>
             </a:fld>
             <a:endParaRPr lang="en-US"/>
           </a:p>
@@ -1761,7 +1766,7 @@
           <a:bodyPr/>
           <a:lstStyle/>
           <a:p>
-            <a:fld id="{CB71CBD7-3BB3-4FBF-8565-E5AB240A50D7}" type="slidenum">
+            <a:fld id="{97496E7D-52D3-48AD-A0E7-239B0BF63D91}" type="slidenum">
               <a:rPr lang="en-US" smtClean="0"/>
               <a:t>‹#›</a:t>
             </a:fld>
@@ -1772,7 +1777,7 @@
     </p:spTree>
     <p:extLst>
       <p:ext uri="{BB962C8B-B14F-4D97-AF65-F5344CB8AC3E}">
-        <p14:creationId xmlns:p14="http://schemas.microsoft.com/office/powerpoint/2010/main" val="3690736834"/>
+        <p14:creationId xmlns:p14="http://schemas.microsoft.com/office/powerpoint/2010/main" val="1061192434"/>
       </p:ext>
     </p:extLst>
   </p:cSld>
@@ -1814,9 +1819,9 @@
           <a:bodyPr/>
           <a:lstStyle/>
           <a:p>
-            <a:fld id="{568F182D-5CCD-4052-9931-92819F05CA8B}" type="datetimeFigureOut">
+            <a:fld id="{79A7C8EE-9AF8-432A-85B8-E2AF337ED788}" type="datetimeFigureOut">
               <a:rPr lang="en-US" smtClean="0"/>
-              <a:t>11/3/2022</a:t>
+              <a:t>11/13/2022</a:t>
             </a:fld>
             <a:endParaRPr lang="en-US"/>
           </a:p>
@@ -1856,7 +1861,7 @@
           <a:bodyPr/>
           <a:lstStyle/>
           <a:p>
-            <a:fld id="{CB71CBD7-3BB3-4FBF-8565-E5AB240A50D7}" type="slidenum">
+            <a:fld id="{97496E7D-52D3-48AD-A0E7-239B0BF63D91}" type="slidenum">
               <a:rPr lang="en-US" smtClean="0"/>
               <a:t>‹#›</a:t>
             </a:fld>
@@ -1867,7 +1872,7 @@
     </p:spTree>
     <p:extLst>
       <p:ext uri="{BB962C8B-B14F-4D97-AF65-F5344CB8AC3E}">
-        <p14:creationId xmlns:p14="http://schemas.microsoft.com/office/powerpoint/2010/main" val="1965342195"/>
+        <p14:creationId xmlns:p14="http://schemas.microsoft.com/office/powerpoint/2010/main" val="3538341255"/>
       </p:ext>
     </p:extLst>
   </p:cSld>
@@ -1906,15 +1911,15 @@
         </p:nvSpPr>
         <p:spPr>
           <a:xfrm>
-            <a:off x="629841" y="182880"/>
-            <a:ext cx="2949178" cy="640080"/>
+            <a:off x="629841" y="320040"/>
+            <a:ext cx="2949178" cy="1120140"/>
           </a:xfrm>
         </p:spPr>
         <p:txBody>
           <a:bodyPr anchor="b"/>
           <a:lstStyle>
             <a:lvl1pPr>
-              <a:defRPr sz="1280"/>
+              <a:defRPr sz="2240"/>
             </a:lvl1pPr>
           </a:lstStyle>
           <a:p>
@@ -1938,39 +1943,39 @@
         </p:nvSpPr>
         <p:spPr>
           <a:xfrm>
-            <a:off x="3887391" y="394970"/>
-            <a:ext cx="4629150" cy="1949450"/>
+            <a:off x="3887391" y="691198"/>
+            <a:ext cx="4629150" cy="3411538"/>
           </a:xfrm>
         </p:spPr>
         <p:txBody>
           <a:bodyPr/>
           <a:lstStyle>
             <a:lvl1pPr>
-              <a:defRPr sz="1280"/>
+              <a:defRPr sz="2240"/>
             </a:lvl1pPr>
             <a:lvl2pPr>
-              <a:defRPr sz="1120"/>
+              <a:defRPr sz="1960"/>
             </a:lvl2pPr>
             <a:lvl3pPr>
-              <a:defRPr sz="960"/>
+              <a:defRPr sz="1680"/>
             </a:lvl3pPr>
             <a:lvl4pPr>
-              <a:defRPr sz="800"/>
+              <a:defRPr sz="1400"/>
             </a:lvl4pPr>
             <a:lvl5pPr>
-              <a:defRPr sz="800"/>
+              <a:defRPr sz="1400"/>
             </a:lvl5pPr>
             <a:lvl6pPr>
-              <a:defRPr sz="800"/>
+              <a:defRPr sz="1400"/>
             </a:lvl6pPr>
             <a:lvl7pPr>
-              <a:defRPr sz="800"/>
+              <a:defRPr sz="1400"/>
             </a:lvl7pPr>
             <a:lvl8pPr>
-              <a:defRPr sz="800"/>
+              <a:defRPr sz="1400"/>
             </a:lvl8pPr>
             <a:lvl9pPr>
-              <a:defRPr sz="800"/>
+              <a:defRPr sz="1400"/>
             </a:lvl9pPr>
           </a:lstStyle>
           <a:p>
@@ -2023,8 +2028,8 @@
         </p:nvSpPr>
         <p:spPr>
           <a:xfrm>
-            <a:off x="629841" y="822960"/>
-            <a:ext cx="2949178" cy="1524635"/>
+            <a:off x="629841" y="1440180"/>
+            <a:ext cx="2949178" cy="2668112"/>
           </a:xfrm>
         </p:spPr>
         <p:txBody>
@@ -2032,39 +2037,39 @@
           <a:lstStyle>
             <a:lvl1pPr marL="0" indent="0">
               <a:buNone/>
-              <a:defRPr sz="640"/>
+              <a:defRPr sz="1120"/>
             </a:lvl1pPr>
-            <a:lvl2pPr marL="182880" indent="0">
-              <a:buNone/>
-              <a:defRPr sz="560"/>
+            <a:lvl2pPr marL="320040" indent="0">
+              <a:buNone/>
+              <a:defRPr sz="980"/>
             </a:lvl2pPr>
-            <a:lvl3pPr marL="365760" indent="0">
-              <a:buNone/>
-              <a:defRPr sz="480"/>
+            <a:lvl3pPr marL="640080" indent="0">
+              <a:buNone/>
+              <a:defRPr sz="840"/>
             </a:lvl3pPr>
-            <a:lvl4pPr marL="548640" indent="0">
-              <a:buNone/>
-              <a:defRPr sz="400"/>
+            <a:lvl4pPr marL="960120" indent="0">
+              <a:buNone/>
+              <a:defRPr sz="700"/>
             </a:lvl4pPr>
-            <a:lvl5pPr marL="731520" indent="0">
-              <a:buNone/>
-              <a:defRPr sz="400"/>
+            <a:lvl5pPr marL="1280160" indent="0">
+              <a:buNone/>
+              <a:defRPr sz="700"/>
             </a:lvl5pPr>
-            <a:lvl6pPr marL="914400" indent="0">
-              <a:buNone/>
-              <a:defRPr sz="400"/>
+            <a:lvl6pPr marL="1600200" indent="0">
+              <a:buNone/>
+              <a:defRPr sz="700"/>
             </a:lvl6pPr>
-            <a:lvl7pPr marL="1097280" indent="0">
-              <a:buNone/>
-              <a:defRPr sz="400"/>
+            <a:lvl7pPr marL="1920240" indent="0">
+              <a:buNone/>
+              <a:defRPr sz="700"/>
             </a:lvl7pPr>
-            <a:lvl8pPr marL="1280160" indent="0">
-              <a:buNone/>
-              <a:defRPr sz="400"/>
+            <a:lvl8pPr marL="2240280" indent="0">
+              <a:buNone/>
+              <a:defRPr sz="700"/>
             </a:lvl8pPr>
-            <a:lvl9pPr marL="1463040" indent="0">
-              <a:buNone/>
-              <a:defRPr sz="400"/>
+            <a:lvl9pPr marL="2560320" indent="0">
+              <a:buNone/>
+              <a:defRPr sz="700"/>
             </a:lvl9pPr>
           </a:lstStyle>
           <a:p>
@@ -2091,9 +2096,9 @@
           <a:bodyPr/>
           <a:lstStyle/>
           <a:p>
-            <a:fld id="{568F182D-5CCD-4052-9931-92819F05CA8B}" type="datetimeFigureOut">
+            <a:fld id="{79A7C8EE-9AF8-432A-85B8-E2AF337ED788}" type="datetimeFigureOut">
               <a:rPr lang="en-US" smtClean="0"/>
-              <a:t>11/3/2022</a:t>
+              <a:t>11/13/2022</a:t>
             </a:fld>
             <a:endParaRPr lang="en-US"/>
           </a:p>
@@ -2133,7 +2138,7 @@
           <a:bodyPr/>
           <a:lstStyle/>
           <a:p>
-            <a:fld id="{CB71CBD7-3BB3-4FBF-8565-E5AB240A50D7}" type="slidenum">
+            <a:fld id="{97496E7D-52D3-48AD-A0E7-239B0BF63D91}" type="slidenum">
               <a:rPr lang="en-US" smtClean="0"/>
               <a:t>‹#›</a:t>
             </a:fld>
@@ -2144,7 +2149,7 @@
     </p:spTree>
     <p:extLst>
       <p:ext uri="{BB962C8B-B14F-4D97-AF65-F5344CB8AC3E}">
-        <p14:creationId xmlns:p14="http://schemas.microsoft.com/office/powerpoint/2010/main" val="3734739924"/>
+        <p14:creationId xmlns:p14="http://schemas.microsoft.com/office/powerpoint/2010/main" val="1489725406"/>
       </p:ext>
     </p:extLst>
   </p:cSld>
@@ -2183,15 +2188,15 @@
         </p:nvSpPr>
         <p:spPr>
           <a:xfrm>
-            <a:off x="629841" y="182880"/>
-            <a:ext cx="2949178" cy="640080"/>
+            <a:off x="629841" y="320040"/>
+            <a:ext cx="2949178" cy="1120140"/>
           </a:xfrm>
         </p:spPr>
         <p:txBody>
           <a:bodyPr anchor="b"/>
           <a:lstStyle>
             <a:lvl1pPr>
-              <a:defRPr sz="1280"/>
+              <a:defRPr sz="2240"/>
             </a:lvl1pPr>
           </a:lstStyle>
           <a:p>
@@ -2215,8 +2220,8 @@
         </p:nvSpPr>
         <p:spPr>
           <a:xfrm>
-            <a:off x="3887391" y="394970"/>
-            <a:ext cx="4629150" cy="1949450"/>
+            <a:off x="3887391" y="691198"/>
+            <a:ext cx="4629150" cy="3411538"/>
           </a:xfrm>
         </p:spPr>
         <p:txBody>
@@ -2224,39 +2229,39 @@
           <a:lstStyle>
             <a:lvl1pPr marL="0" indent="0">
               <a:buNone/>
-              <a:defRPr sz="1280"/>
+              <a:defRPr sz="2240"/>
             </a:lvl1pPr>
-            <a:lvl2pPr marL="182880" indent="0">
-              <a:buNone/>
-              <a:defRPr sz="1120"/>
+            <a:lvl2pPr marL="320040" indent="0">
+              <a:buNone/>
+              <a:defRPr sz="1960"/>
             </a:lvl2pPr>
-            <a:lvl3pPr marL="365760" indent="0">
-              <a:buNone/>
-              <a:defRPr sz="960"/>
+            <a:lvl3pPr marL="640080" indent="0">
+              <a:buNone/>
+              <a:defRPr sz="1680"/>
             </a:lvl3pPr>
-            <a:lvl4pPr marL="548640" indent="0">
-              <a:buNone/>
-              <a:defRPr sz="800"/>
+            <a:lvl4pPr marL="960120" indent="0">
+              <a:buNone/>
+              <a:defRPr sz="1400"/>
             </a:lvl4pPr>
-            <a:lvl5pPr marL="731520" indent="0">
-              <a:buNone/>
-              <a:defRPr sz="800"/>
+            <a:lvl5pPr marL="1280160" indent="0">
+              <a:buNone/>
+              <a:defRPr sz="1400"/>
             </a:lvl5pPr>
-            <a:lvl6pPr marL="914400" indent="0">
-              <a:buNone/>
-              <a:defRPr sz="800"/>
+            <a:lvl6pPr marL="1600200" indent="0">
+              <a:buNone/>
+              <a:defRPr sz="1400"/>
             </a:lvl6pPr>
-            <a:lvl7pPr marL="1097280" indent="0">
-              <a:buNone/>
-              <a:defRPr sz="800"/>
+            <a:lvl7pPr marL="1920240" indent="0">
+              <a:buNone/>
+              <a:defRPr sz="1400"/>
             </a:lvl7pPr>
-            <a:lvl8pPr marL="1280160" indent="0">
-              <a:buNone/>
-              <a:defRPr sz="800"/>
+            <a:lvl8pPr marL="2240280" indent="0">
+              <a:buNone/>
+              <a:defRPr sz="1400"/>
             </a:lvl8pPr>
-            <a:lvl9pPr marL="1463040" indent="0">
-              <a:buNone/>
-              <a:defRPr sz="800"/>
+            <a:lvl9pPr marL="2560320" indent="0">
+              <a:buNone/>
+              <a:defRPr sz="1400"/>
             </a:lvl9pPr>
           </a:lstStyle>
           <a:p>
@@ -2280,8 +2285,8 @@
         </p:nvSpPr>
         <p:spPr>
           <a:xfrm>
-            <a:off x="629841" y="822960"/>
-            <a:ext cx="2949178" cy="1524635"/>
+            <a:off x="629841" y="1440180"/>
+            <a:ext cx="2949178" cy="2668112"/>
           </a:xfrm>
         </p:spPr>
         <p:txBody>
@@ -2289,39 +2294,39 @@
           <a:lstStyle>
             <a:lvl1pPr marL="0" indent="0">
               <a:buNone/>
-              <a:defRPr sz="640"/>
+              <a:defRPr sz="1120"/>
             </a:lvl1pPr>
-            <a:lvl2pPr marL="182880" indent="0">
-              <a:buNone/>
-              <a:defRPr sz="560"/>
+            <a:lvl2pPr marL="320040" indent="0">
+              <a:buNone/>
+              <a:defRPr sz="980"/>
             </a:lvl2pPr>
-            <a:lvl3pPr marL="365760" indent="0">
-              <a:buNone/>
-              <a:defRPr sz="480"/>
+            <a:lvl3pPr marL="640080" indent="0">
+              <a:buNone/>
+              <a:defRPr sz="840"/>
             </a:lvl3pPr>
-            <a:lvl4pPr marL="548640" indent="0">
-              <a:buNone/>
-              <a:defRPr sz="400"/>
+            <a:lvl4pPr marL="960120" indent="0">
+              <a:buNone/>
+              <a:defRPr sz="700"/>
             </a:lvl4pPr>
-            <a:lvl5pPr marL="731520" indent="0">
-              <a:buNone/>
-              <a:defRPr sz="400"/>
+            <a:lvl5pPr marL="1280160" indent="0">
+              <a:buNone/>
+              <a:defRPr sz="700"/>
             </a:lvl5pPr>
-            <a:lvl6pPr marL="914400" indent="0">
-              <a:buNone/>
-              <a:defRPr sz="400"/>
+            <a:lvl6pPr marL="1600200" indent="0">
+              <a:buNone/>
+              <a:defRPr sz="700"/>
             </a:lvl6pPr>
-            <a:lvl7pPr marL="1097280" indent="0">
-              <a:buNone/>
-              <a:defRPr sz="400"/>
+            <a:lvl7pPr marL="1920240" indent="0">
+              <a:buNone/>
+              <a:defRPr sz="700"/>
             </a:lvl7pPr>
-            <a:lvl8pPr marL="1280160" indent="0">
-              <a:buNone/>
-              <a:defRPr sz="400"/>
+            <a:lvl8pPr marL="2240280" indent="0">
+              <a:buNone/>
+              <a:defRPr sz="700"/>
             </a:lvl8pPr>
-            <a:lvl9pPr marL="1463040" indent="0">
-              <a:buNone/>
-              <a:defRPr sz="400"/>
+            <a:lvl9pPr marL="2560320" indent="0">
+              <a:buNone/>
+              <a:defRPr sz="700"/>
             </a:lvl9pPr>
           </a:lstStyle>
           <a:p>
@@ -2348,9 +2353,9 @@
           <a:bodyPr/>
           <a:lstStyle/>
           <a:p>
-            <a:fld id="{568F182D-5CCD-4052-9931-92819F05CA8B}" type="datetimeFigureOut">
+            <a:fld id="{79A7C8EE-9AF8-432A-85B8-E2AF337ED788}" type="datetimeFigureOut">
               <a:rPr lang="en-US" smtClean="0"/>
-              <a:t>11/3/2022</a:t>
+              <a:t>11/13/2022</a:t>
             </a:fld>
             <a:endParaRPr lang="en-US"/>
           </a:p>
@@ -2390,7 +2395,7 @@
           <a:bodyPr/>
           <a:lstStyle/>
           <a:p>
-            <a:fld id="{CB71CBD7-3BB3-4FBF-8565-E5AB240A50D7}" type="slidenum">
+            <a:fld id="{97496E7D-52D3-48AD-A0E7-239B0BF63D91}" type="slidenum">
               <a:rPr lang="en-US" smtClean="0"/>
               <a:t>‹#›</a:t>
             </a:fld>
@@ -2401,7 +2406,7 @@
     </p:spTree>
     <p:extLst>
       <p:ext uri="{BB962C8B-B14F-4D97-AF65-F5344CB8AC3E}">
-        <p14:creationId xmlns:p14="http://schemas.microsoft.com/office/powerpoint/2010/main" val="892643533"/>
+        <p14:creationId xmlns:p14="http://schemas.microsoft.com/office/powerpoint/2010/main" val="3429092397"/>
       </p:ext>
     </p:extLst>
   </p:cSld>
@@ -2445,8 +2450,8 @@
         </p:nvSpPr>
         <p:spPr>
           <a:xfrm>
-            <a:off x="628650" y="146050"/>
-            <a:ext cx="7886700" cy="530225"/>
+            <a:off x="628650" y="255588"/>
+            <a:ext cx="7886700" cy="927894"/>
           </a:xfrm>
           <a:prstGeom prst="rect">
             <a:avLst/>
@@ -2478,8 +2483,8 @@
         </p:nvSpPr>
         <p:spPr>
           <a:xfrm>
-            <a:off x="628650" y="730250"/>
-            <a:ext cx="7886700" cy="1740535"/>
+            <a:off x="628650" y="1277937"/>
+            <a:ext cx="7886700" cy="3045937"/>
           </a:xfrm>
           <a:prstGeom prst="rect">
             <a:avLst/>
@@ -2540,8 +2545,8 @@
         </p:nvSpPr>
         <p:spPr>
           <a:xfrm>
-            <a:off x="628650" y="2542540"/>
-            <a:ext cx="2057400" cy="146050"/>
+            <a:off x="628650" y="4449445"/>
+            <a:ext cx="2057400" cy="255588"/>
           </a:xfrm>
           <a:prstGeom prst="rect">
             <a:avLst/>
@@ -2551,7 +2556,7 @@
           <a:bodyPr vert="horz" lIns="91440" tIns="45720" rIns="91440" bIns="45720" rtlCol="0" anchor="ctr"/>
           <a:lstStyle>
             <a:lvl1pPr algn="l">
-              <a:defRPr sz="480">
+              <a:defRPr sz="840">
                 <a:solidFill>
                   <a:schemeClr val="tx1">
                     <a:tint val="75000"/>
@@ -2561,9 +2566,9 @@
             </a:lvl1pPr>
           </a:lstStyle>
           <a:p>
-            <a:fld id="{568F182D-5CCD-4052-9931-92819F05CA8B}" type="datetimeFigureOut">
+            <a:fld id="{79A7C8EE-9AF8-432A-85B8-E2AF337ED788}" type="datetimeFigureOut">
               <a:rPr lang="en-US" smtClean="0"/>
-              <a:t>11/3/2022</a:t>
+              <a:t>11/13/2022</a:t>
             </a:fld>
             <a:endParaRPr lang="en-US"/>
           </a:p>
@@ -2581,8 +2586,8 @@
         </p:nvSpPr>
         <p:spPr>
           <a:xfrm>
-            <a:off x="3028950" y="2542540"/>
-            <a:ext cx="3086100" cy="146050"/>
+            <a:off x="3028950" y="4449445"/>
+            <a:ext cx="3086100" cy="255588"/>
           </a:xfrm>
           <a:prstGeom prst="rect">
             <a:avLst/>
@@ -2592,7 +2597,7 @@
           <a:bodyPr vert="horz" lIns="91440" tIns="45720" rIns="91440" bIns="45720" rtlCol="0" anchor="ctr"/>
           <a:lstStyle>
             <a:lvl1pPr algn="ctr">
-              <a:defRPr sz="480">
+              <a:defRPr sz="840">
                 <a:solidFill>
                   <a:schemeClr val="tx1">
                     <a:tint val="75000"/>
@@ -2618,8 +2623,8 @@
         </p:nvSpPr>
         <p:spPr>
           <a:xfrm>
-            <a:off x="6457950" y="2542540"/>
-            <a:ext cx="2057400" cy="146050"/>
+            <a:off x="6457950" y="4449445"/>
+            <a:ext cx="2057400" cy="255588"/>
           </a:xfrm>
           <a:prstGeom prst="rect">
             <a:avLst/>
@@ -2629,7 +2634,7 @@
           <a:bodyPr vert="horz" lIns="91440" tIns="45720" rIns="91440" bIns="45720" rtlCol="0" anchor="ctr"/>
           <a:lstStyle>
             <a:lvl1pPr algn="r">
-              <a:defRPr sz="480">
+              <a:defRPr sz="840">
                 <a:solidFill>
                   <a:schemeClr val="tx1">
                     <a:tint val="75000"/>
@@ -2639,7 +2644,7 @@
             </a:lvl1pPr>
           </a:lstStyle>
           <a:p>
-            <a:fld id="{CB71CBD7-3BB3-4FBF-8565-E5AB240A50D7}" type="slidenum">
+            <a:fld id="{97496E7D-52D3-48AD-A0E7-239B0BF63D91}" type="slidenum">
               <a:rPr lang="en-US" smtClean="0"/>
               <a:t>‹#›</a:t>
             </a:fld>
@@ -2650,27 +2655,27 @@
     </p:spTree>
     <p:extLst>
       <p:ext uri="{BB962C8B-B14F-4D97-AF65-F5344CB8AC3E}">
-        <p14:creationId xmlns:p14="http://schemas.microsoft.com/office/powerpoint/2010/main" val="3806294313"/>
+        <p14:creationId xmlns:p14="http://schemas.microsoft.com/office/powerpoint/2010/main" val="342505226"/>
       </p:ext>
     </p:extLst>
   </p:cSld>
   <p:clrMap bg1="lt1" tx1="dk1" bg2="lt2" tx2="dk2" accent1="accent1" accent2="accent2" accent3="accent3" accent4="accent4" accent5="accent5" accent6="accent6" hlink="hlink" folHlink="folHlink"/>
   <p:sldLayoutIdLst>
-    <p:sldLayoutId id="2147483661" r:id="rId1"/>
-    <p:sldLayoutId id="2147483662" r:id="rId2"/>
-    <p:sldLayoutId id="2147483663" r:id="rId3"/>
-    <p:sldLayoutId id="2147483664" r:id="rId4"/>
-    <p:sldLayoutId id="2147483665" r:id="rId5"/>
-    <p:sldLayoutId id="2147483666" r:id="rId6"/>
-    <p:sldLayoutId id="2147483667" r:id="rId7"/>
-    <p:sldLayoutId id="2147483668" r:id="rId8"/>
-    <p:sldLayoutId id="2147483669" r:id="rId9"/>
-    <p:sldLayoutId id="2147483670" r:id="rId10"/>
-    <p:sldLayoutId id="2147483671" r:id="rId11"/>
+    <p:sldLayoutId id="2147483709" r:id="rId1"/>
+    <p:sldLayoutId id="2147483710" r:id="rId2"/>
+    <p:sldLayoutId id="2147483711" r:id="rId3"/>
+    <p:sldLayoutId id="2147483712" r:id="rId4"/>
+    <p:sldLayoutId id="2147483713" r:id="rId5"/>
+    <p:sldLayoutId id="2147483714" r:id="rId6"/>
+    <p:sldLayoutId id="2147483715" r:id="rId7"/>
+    <p:sldLayoutId id="2147483716" r:id="rId8"/>
+    <p:sldLayoutId id="2147483717" r:id="rId9"/>
+    <p:sldLayoutId id="2147483718" r:id="rId10"/>
+    <p:sldLayoutId id="2147483719" r:id="rId11"/>
   </p:sldLayoutIdLst>
   <p:txStyles>
     <p:titleStyle>
-      <a:lvl1pPr algn="l" defTabSz="365760" rtl="0" eaLnBrk="1" latinLnBrk="0" hangingPunct="1">
+      <a:lvl1pPr algn="l" defTabSz="640080" rtl="0" eaLnBrk="1" latinLnBrk="0" hangingPunct="1">
         <a:lnSpc>
           <a:spcPct val="90000"/>
         </a:lnSpc>
@@ -2678,7 +2683,7 @@
           <a:spcPct val="0"/>
         </a:spcBef>
         <a:buNone/>
-        <a:defRPr sz="1760" kern="1200">
+        <a:defRPr sz="3080" kern="1200">
           <a:solidFill>
             <a:schemeClr val="tx1"/>
           </a:solidFill>
@@ -2689,16 +2694,16 @@
       </a:lvl1pPr>
     </p:titleStyle>
     <p:bodyStyle>
-      <a:lvl1pPr marL="91440" indent="-91440" algn="l" defTabSz="365760" rtl="0" eaLnBrk="1" latinLnBrk="0" hangingPunct="1">
+      <a:lvl1pPr marL="160020" indent="-160020" algn="l" defTabSz="640080" rtl="0" eaLnBrk="1" latinLnBrk="0" hangingPunct="1">
         <a:lnSpc>
           <a:spcPct val="90000"/>
         </a:lnSpc>
         <a:spcBef>
-          <a:spcPts val="400"/>
+          <a:spcPts val="700"/>
         </a:spcBef>
         <a:buFont typeface="Arial" panose="020B0604020202020204" pitchFamily="34" charset="0"/>
         <a:buChar char="•"/>
-        <a:defRPr sz="1120" kern="1200">
+        <a:defRPr sz="1960" kern="1200">
           <a:solidFill>
             <a:schemeClr val="tx1"/>
           </a:solidFill>
@@ -2707,16 +2712,16 @@
           <a:cs typeface="+mn-cs"/>
         </a:defRPr>
       </a:lvl1pPr>
-      <a:lvl2pPr marL="274320" indent="-91440" algn="l" defTabSz="365760" rtl="0" eaLnBrk="1" latinLnBrk="0" hangingPunct="1">
+      <a:lvl2pPr marL="480060" indent="-160020" algn="l" defTabSz="640080" rtl="0" eaLnBrk="1" latinLnBrk="0" hangingPunct="1">
         <a:lnSpc>
           <a:spcPct val="90000"/>
         </a:lnSpc>
         <a:spcBef>
-          <a:spcPts val="200"/>
+          <a:spcPts val="350"/>
         </a:spcBef>
         <a:buFont typeface="Arial" panose="020B0604020202020204" pitchFamily="34" charset="0"/>
         <a:buChar char="•"/>
-        <a:defRPr sz="960" kern="1200">
+        <a:defRPr sz="1680" kern="1200">
           <a:solidFill>
             <a:schemeClr val="tx1"/>
           </a:solidFill>
@@ -2725,16 +2730,16 @@
           <a:cs typeface="+mn-cs"/>
         </a:defRPr>
       </a:lvl2pPr>
-      <a:lvl3pPr marL="457200" indent="-91440" algn="l" defTabSz="365760" rtl="0" eaLnBrk="1" latinLnBrk="0" hangingPunct="1">
+      <a:lvl3pPr marL="800100" indent="-160020" algn="l" defTabSz="640080" rtl="0" eaLnBrk="1" latinLnBrk="0" hangingPunct="1">
         <a:lnSpc>
           <a:spcPct val="90000"/>
         </a:lnSpc>
         <a:spcBef>
-          <a:spcPts val="200"/>
+          <a:spcPts val="350"/>
         </a:spcBef>
         <a:buFont typeface="Arial" panose="020B0604020202020204" pitchFamily="34" charset="0"/>
         <a:buChar char="•"/>
-        <a:defRPr sz="800" kern="1200">
+        <a:defRPr sz="1400" kern="1200">
           <a:solidFill>
             <a:schemeClr val="tx1"/>
           </a:solidFill>
@@ -2743,16 +2748,16 @@
           <a:cs typeface="+mn-cs"/>
         </a:defRPr>
       </a:lvl3pPr>
-      <a:lvl4pPr marL="640080" indent="-91440" algn="l" defTabSz="365760" rtl="0" eaLnBrk="1" latinLnBrk="0" hangingPunct="1">
+      <a:lvl4pPr marL="1120140" indent="-160020" algn="l" defTabSz="640080" rtl="0" eaLnBrk="1" latinLnBrk="0" hangingPunct="1">
         <a:lnSpc>
           <a:spcPct val="90000"/>
         </a:lnSpc>
         <a:spcBef>
-          <a:spcPts val="200"/>
+          <a:spcPts val="350"/>
         </a:spcBef>
         <a:buFont typeface="Arial" panose="020B0604020202020204" pitchFamily="34" charset="0"/>
         <a:buChar char="•"/>
-        <a:defRPr sz="720" kern="1200">
+        <a:defRPr sz="1260" kern="1200">
           <a:solidFill>
             <a:schemeClr val="tx1"/>
           </a:solidFill>
@@ -2761,16 +2766,16 @@
           <a:cs typeface="+mn-cs"/>
         </a:defRPr>
       </a:lvl4pPr>
-      <a:lvl5pPr marL="822960" indent="-91440" algn="l" defTabSz="365760" rtl="0" eaLnBrk="1" latinLnBrk="0" hangingPunct="1">
+      <a:lvl5pPr marL="1440180" indent="-160020" algn="l" defTabSz="640080" rtl="0" eaLnBrk="1" latinLnBrk="0" hangingPunct="1">
         <a:lnSpc>
           <a:spcPct val="90000"/>
         </a:lnSpc>
         <a:spcBef>
-          <a:spcPts val="200"/>
+          <a:spcPts val="350"/>
         </a:spcBef>
         <a:buFont typeface="Arial" panose="020B0604020202020204" pitchFamily="34" charset="0"/>
         <a:buChar char="•"/>
-        <a:defRPr sz="720" kern="1200">
+        <a:defRPr sz="1260" kern="1200">
           <a:solidFill>
             <a:schemeClr val="tx1"/>
           </a:solidFill>
@@ -2779,16 +2784,16 @@
           <a:cs typeface="+mn-cs"/>
         </a:defRPr>
       </a:lvl5pPr>
-      <a:lvl6pPr marL="1005840" indent="-91440" algn="l" defTabSz="365760" rtl="0" eaLnBrk="1" latinLnBrk="0" hangingPunct="1">
+      <a:lvl6pPr marL="1760220" indent="-160020" algn="l" defTabSz="640080" rtl="0" eaLnBrk="1" latinLnBrk="0" hangingPunct="1">
         <a:lnSpc>
           <a:spcPct val="90000"/>
         </a:lnSpc>
         <a:spcBef>
-          <a:spcPts val="200"/>
+          <a:spcPts val="350"/>
         </a:spcBef>
         <a:buFont typeface="Arial" panose="020B0604020202020204" pitchFamily="34" charset="0"/>
         <a:buChar char="•"/>
-        <a:defRPr sz="720" kern="1200">
+        <a:defRPr sz="1260" kern="1200">
           <a:solidFill>
             <a:schemeClr val="tx1"/>
           </a:solidFill>
@@ -2797,16 +2802,16 @@
           <a:cs typeface="+mn-cs"/>
         </a:defRPr>
       </a:lvl6pPr>
-      <a:lvl7pPr marL="1188720" indent="-91440" algn="l" defTabSz="365760" rtl="0" eaLnBrk="1" latinLnBrk="0" hangingPunct="1">
+      <a:lvl7pPr marL="2080260" indent="-160020" algn="l" defTabSz="640080" rtl="0" eaLnBrk="1" latinLnBrk="0" hangingPunct="1">
         <a:lnSpc>
           <a:spcPct val="90000"/>
         </a:lnSpc>
         <a:spcBef>
-          <a:spcPts val="200"/>
+          <a:spcPts val="350"/>
         </a:spcBef>
         <a:buFont typeface="Arial" panose="020B0604020202020204" pitchFamily="34" charset="0"/>
         <a:buChar char="•"/>
-        <a:defRPr sz="720" kern="1200">
+        <a:defRPr sz="1260" kern="1200">
           <a:solidFill>
             <a:schemeClr val="tx1"/>
           </a:solidFill>
@@ -2815,16 +2820,16 @@
           <a:cs typeface="+mn-cs"/>
         </a:defRPr>
       </a:lvl7pPr>
-      <a:lvl8pPr marL="1371600" indent="-91440" algn="l" defTabSz="365760" rtl="0" eaLnBrk="1" latinLnBrk="0" hangingPunct="1">
+      <a:lvl8pPr marL="2400300" indent="-160020" algn="l" defTabSz="640080" rtl="0" eaLnBrk="1" latinLnBrk="0" hangingPunct="1">
         <a:lnSpc>
           <a:spcPct val="90000"/>
         </a:lnSpc>
         <a:spcBef>
-          <a:spcPts val="200"/>
+          <a:spcPts val="350"/>
         </a:spcBef>
         <a:buFont typeface="Arial" panose="020B0604020202020204" pitchFamily="34" charset="0"/>
         <a:buChar char="•"/>
-        <a:defRPr sz="720" kern="1200">
+        <a:defRPr sz="1260" kern="1200">
           <a:solidFill>
             <a:schemeClr val="tx1"/>
           </a:solidFill>
@@ -2833,16 +2838,16 @@
           <a:cs typeface="+mn-cs"/>
         </a:defRPr>
       </a:lvl8pPr>
-      <a:lvl9pPr marL="1554480" indent="-91440" algn="l" defTabSz="365760" rtl="0" eaLnBrk="1" latinLnBrk="0" hangingPunct="1">
+      <a:lvl9pPr marL="2720340" indent="-160020" algn="l" defTabSz="640080" rtl="0" eaLnBrk="1" latinLnBrk="0" hangingPunct="1">
         <a:lnSpc>
           <a:spcPct val="90000"/>
         </a:lnSpc>
         <a:spcBef>
-          <a:spcPts val="200"/>
+          <a:spcPts val="350"/>
         </a:spcBef>
         <a:buFont typeface="Arial" panose="020B0604020202020204" pitchFamily="34" charset="0"/>
         <a:buChar char="•"/>
-        <a:defRPr sz="720" kern="1200">
+        <a:defRPr sz="1260" kern="1200">
           <a:solidFill>
             <a:schemeClr val="tx1"/>
           </a:solidFill>
@@ -2856,8 +2861,8 @@
       <a:defPPr>
         <a:defRPr lang="en-US"/>
       </a:defPPr>
-      <a:lvl1pPr marL="0" algn="l" defTabSz="365760" rtl="0" eaLnBrk="1" latinLnBrk="0" hangingPunct="1">
-        <a:defRPr sz="720" kern="1200">
+      <a:lvl1pPr marL="0" algn="l" defTabSz="640080" rtl="0" eaLnBrk="1" latinLnBrk="0" hangingPunct="1">
+        <a:defRPr sz="1260" kern="1200">
           <a:solidFill>
             <a:schemeClr val="tx1"/>
           </a:solidFill>
@@ -2866,8 +2871,8 @@
           <a:cs typeface="+mn-cs"/>
         </a:defRPr>
       </a:lvl1pPr>
-      <a:lvl2pPr marL="182880" algn="l" defTabSz="365760" rtl="0" eaLnBrk="1" latinLnBrk="0" hangingPunct="1">
-        <a:defRPr sz="720" kern="1200">
+      <a:lvl2pPr marL="320040" algn="l" defTabSz="640080" rtl="0" eaLnBrk="1" latinLnBrk="0" hangingPunct="1">
+        <a:defRPr sz="1260" kern="1200">
           <a:solidFill>
             <a:schemeClr val="tx1"/>
           </a:solidFill>
@@ -2876,8 +2881,8 @@
           <a:cs typeface="+mn-cs"/>
         </a:defRPr>
       </a:lvl2pPr>
-      <a:lvl3pPr marL="365760" algn="l" defTabSz="365760" rtl="0" eaLnBrk="1" latinLnBrk="0" hangingPunct="1">
-        <a:defRPr sz="720" kern="1200">
+      <a:lvl3pPr marL="640080" algn="l" defTabSz="640080" rtl="0" eaLnBrk="1" latinLnBrk="0" hangingPunct="1">
+        <a:defRPr sz="1260" kern="1200">
           <a:solidFill>
             <a:schemeClr val="tx1"/>
           </a:solidFill>
@@ -2886,8 +2891,8 @@
           <a:cs typeface="+mn-cs"/>
         </a:defRPr>
       </a:lvl3pPr>
-      <a:lvl4pPr marL="548640" algn="l" defTabSz="365760" rtl="0" eaLnBrk="1" latinLnBrk="0" hangingPunct="1">
-        <a:defRPr sz="720" kern="1200">
+      <a:lvl4pPr marL="960120" algn="l" defTabSz="640080" rtl="0" eaLnBrk="1" latinLnBrk="0" hangingPunct="1">
+        <a:defRPr sz="1260" kern="1200">
           <a:solidFill>
             <a:schemeClr val="tx1"/>
           </a:solidFill>
@@ -2896,8 +2901,8 @@
           <a:cs typeface="+mn-cs"/>
         </a:defRPr>
       </a:lvl4pPr>
-      <a:lvl5pPr marL="731520" algn="l" defTabSz="365760" rtl="0" eaLnBrk="1" latinLnBrk="0" hangingPunct="1">
-        <a:defRPr sz="720" kern="1200">
+      <a:lvl5pPr marL="1280160" algn="l" defTabSz="640080" rtl="0" eaLnBrk="1" latinLnBrk="0" hangingPunct="1">
+        <a:defRPr sz="1260" kern="1200">
           <a:solidFill>
             <a:schemeClr val="tx1"/>
           </a:solidFill>
@@ -2906,8 +2911,8 @@
           <a:cs typeface="+mn-cs"/>
         </a:defRPr>
       </a:lvl5pPr>
-      <a:lvl6pPr marL="914400" algn="l" defTabSz="365760" rtl="0" eaLnBrk="1" latinLnBrk="0" hangingPunct="1">
-        <a:defRPr sz="720" kern="1200">
+      <a:lvl6pPr marL="1600200" algn="l" defTabSz="640080" rtl="0" eaLnBrk="1" latinLnBrk="0" hangingPunct="1">
+        <a:defRPr sz="1260" kern="1200">
           <a:solidFill>
             <a:schemeClr val="tx1"/>
           </a:solidFill>
@@ -2916,8 +2921,8 @@
           <a:cs typeface="+mn-cs"/>
         </a:defRPr>
       </a:lvl6pPr>
-      <a:lvl7pPr marL="1097280" algn="l" defTabSz="365760" rtl="0" eaLnBrk="1" latinLnBrk="0" hangingPunct="1">
-        <a:defRPr sz="720" kern="1200">
+      <a:lvl7pPr marL="1920240" algn="l" defTabSz="640080" rtl="0" eaLnBrk="1" latinLnBrk="0" hangingPunct="1">
+        <a:defRPr sz="1260" kern="1200">
           <a:solidFill>
             <a:schemeClr val="tx1"/>
           </a:solidFill>
@@ -2926,8 +2931,8 @@
           <a:cs typeface="+mn-cs"/>
         </a:defRPr>
       </a:lvl7pPr>
-      <a:lvl8pPr marL="1280160" algn="l" defTabSz="365760" rtl="0" eaLnBrk="1" latinLnBrk="0" hangingPunct="1">
-        <a:defRPr sz="720" kern="1200">
+      <a:lvl8pPr marL="2240280" algn="l" defTabSz="640080" rtl="0" eaLnBrk="1" latinLnBrk="0" hangingPunct="1">
+        <a:defRPr sz="1260" kern="1200">
           <a:solidFill>
             <a:schemeClr val="tx1"/>
           </a:solidFill>
@@ -2936,8 +2941,8 @@
           <a:cs typeface="+mn-cs"/>
         </a:defRPr>
       </a:lvl8pPr>
-      <a:lvl9pPr marL="1463040" algn="l" defTabSz="365760" rtl="0" eaLnBrk="1" latinLnBrk="0" hangingPunct="1">
-        <a:defRPr sz="720" kern="1200">
+      <a:lvl9pPr marL="2560320" algn="l" defTabSz="640080" rtl="0" eaLnBrk="1" latinLnBrk="0" hangingPunct="1">
+        <a:defRPr sz="1260" kern="1200">
           <a:solidFill>
             <a:schemeClr val="tx1"/>
           </a:solidFill>
@@ -2968,524 +2973,715 @@
           <a:chExt cx="0" cy="0"/>
         </a:xfrm>
       </p:grpSpPr>
-      <p:graphicFrame>
-        <p:nvGraphicFramePr>
-          <p:cNvPr id="44" name="Table 43">
+      <p:sp>
+        <p:nvSpPr>
+          <p:cNvPr id="37" name="Google Shape;140;g16c60364d53_0_5">
             <a:extLst>
               <a:ext uri="{FF2B5EF4-FFF2-40B4-BE49-F238E27FC236}">
-                <a16:creationId xmlns:a16="http://schemas.microsoft.com/office/drawing/2014/main" id="{CDED2C68-837C-4283-8F7B-C14ED2E72543}"/>
+                <a16:creationId xmlns:a16="http://schemas.microsoft.com/office/drawing/2014/main" id="{4F8ECAF1-5F65-4086-989B-A669963409B7}"/>
               </a:ext>
             </a:extLst>
           </p:cNvPr>
-          <p:cNvGraphicFramePr>
-            <a:graphicFrameLocks noGrp="1"/>
-          </p:cNvGraphicFramePr>
+          <p:cNvSpPr/>
+          <p:nvPr/>
+        </p:nvSpPr>
+        <p:spPr>
+          <a:xfrm>
+            <a:off x="1753947" y="2091544"/>
+            <a:ext cx="834789" cy="773204"/>
+          </a:xfrm>
+          <a:prstGeom prst="rect">
+            <a:avLst/>
+          </a:prstGeom>
+          <a:solidFill>
+            <a:srgbClr val="FF0000"/>
+          </a:solidFill>
+          <a:ln w="9525" cap="flat" cmpd="sng">
+            <a:solidFill>
+              <a:schemeClr val="dk2"/>
+            </a:solidFill>
+            <a:prstDash val="solid"/>
+            <a:round/>
+            <a:headEnd type="none" w="sm" len="sm"/>
+            <a:tailEnd type="none" w="sm" len="sm"/>
+          </a:ln>
+        </p:spPr>
+        <p:txBody>
+          <a:bodyPr spcFirstLastPara="1" wrap="square" lIns="91425" tIns="91425" rIns="91425" bIns="91425" anchor="ctr" anchorCtr="0">
+            <a:noAutofit/>
+          </a:bodyPr>
+          <a:lstStyle/>
+          <a:p>
+            <a:endParaRPr>
+              <a:latin typeface="Arial" panose="020B0604020202020204" pitchFamily="34" charset="0"/>
+              <a:cs typeface="Arial" panose="020B0604020202020204" pitchFamily="34" charset="0"/>
+            </a:endParaRPr>
+          </a:p>
+        </p:txBody>
+      </p:sp>
+      <p:sp>
+        <p:nvSpPr>
+          <p:cNvPr id="60" name="Google Shape;140;g16c60364d53_0_5">
+            <a:extLst>
+              <a:ext uri="{FF2B5EF4-FFF2-40B4-BE49-F238E27FC236}">
+                <a16:creationId xmlns:a16="http://schemas.microsoft.com/office/drawing/2014/main" id="{57CABAF4-2CDC-4029-B46C-515210010B75}"/>
+              </a:ext>
+            </a:extLst>
+          </p:cNvPr>
+          <p:cNvSpPr/>
+          <p:nvPr/>
+        </p:nvSpPr>
+        <p:spPr>
+          <a:xfrm>
+            <a:off x="6010880" y="2095452"/>
+            <a:ext cx="834789" cy="773204"/>
+          </a:xfrm>
+          <a:prstGeom prst="rect">
+            <a:avLst/>
+          </a:prstGeom>
+          <a:solidFill>
+            <a:srgbClr val="FF0000"/>
+          </a:solidFill>
+          <a:ln w="9525" cap="flat" cmpd="sng">
+            <a:solidFill>
+              <a:schemeClr val="dk2"/>
+            </a:solidFill>
+            <a:prstDash val="solid"/>
+            <a:round/>
+            <a:headEnd type="none" w="sm" len="sm"/>
+            <a:tailEnd type="none" w="sm" len="sm"/>
+          </a:ln>
+        </p:spPr>
+        <p:txBody>
+          <a:bodyPr spcFirstLastPara="1" wrap="square" lIns="91425" tIns="91425" rIns="91425" bIns="91425" anchor="ctr" anchorCtr="0">
+            <a:noAutofit/>
+          </a:bodyPr>
+          <a:lstStyle/>
+          <a:p>
+            <a:endParaRPr>
+              <a:latin typeface="Arial" panose="020B0604020202020204" pitchFamily="34" charset="0"/>
+              <a:cs typeface="Arial" panose="020B0604020202020204" pitchFamily="34" charset="0"/>
+            </a:endParaRPr>
+          </a:p>
+        </p:txBody>
+      </p:sp>
+      <p:sp>
+        <p:nvSpPr>
+          <p:cNvPr id="62" name="Google Shape;140;g16c60364d53_0_5">
+            <a:extLst>
+              <a:ext uri="{FF2B5EF4-FFF2-40B4-BE49-F238E27FC236}">
+                <a16:creationId xmlns:a16="http://schemas.microsoft.com/office/drawing/2014/main" id="{F37CBDE3-463E-4868-9B45-518EFCADBF0E}"/>
+              </a:ext>
+            </a:extLst>
+          </p:cNvPr>
+          <p:cNvSpPr/>
+          <p:nvPr/>
+        </p:nvSpPr>
+        <p:spPr>
+          <a:xfrm>
+            <a:off x="6010880" y="1312877"/>
+            <a:ext cx="834789" cy="773204"/>
+          </a:xfrm>
+          <a:prstGeom prst="rect">
+            <a:avLst/>
+          </a:prstGeom>
+          <a:solidFill>
+            <a:schemeClr val="accent1"/>
+          </a:solidFill>
+          <a:ln w="9525" cap="flat" cmpd="sng">
+            <a:solidFill>
+              <a:schemeClr val="dk2"/>
+            </a:solidFill>
+            <a:prstDash val="solid"/>
+            <a:round/>
+            <a:headEnd type="none" w="sm" len="sm"/>
+            <a:tailEnd type="none" w="sm" len="sm"/>
+          </a:ln>
+        </p:spPr>
+        <p:txBody>
+          <a:bodyPr spcFirstLastPara="1" wrap="square" lIns="91425" tIns="91425" rIns="91425" bIns="91425" anchor="ctr" anchorCtr="0">
+            <a:noAutofit/>
+          </a:bodyPr>
+          <a:lstStyle/>
+          <a:p>
+            <a:endParaRPr>
+              <a:latin typeface="Arial" panose="020B0604020202020204" pitchFamily="34" charset="0"/>
+              <a:cs typeface="Arial" panose="020B0604020202020204" pitchFamily="34" charset="0"/>
+            </a:endParaRPr>
+          </a:p>
+        </p:txBody>
+      </p:sp>
+      <p:sp>
+        <p:nvSpPr>
+          <p:cNvPr id="64" name="Google Shape;140;g16c60364d53_0_5">
+            <a:extLst>
+              <a:ext uri="{FF2B5EF4-FFF2-40B4-BE49-F238E27FC236}">
+                <a16:creationId xmlns:a16="http://schemas.microsoft.com/office/drawing/2014/main" id="{85412C10-A68B-4221-A82F-8D00C9FCCC27}"/>
+              </a:ext>
+            </a:extLst>
+          </p:cNvPr>
+          <p:cNvSpPr/>
+          <p:nvPr/>
+        </p:nvSpPr>
+        <p:spPr>
+          <a:xfrm>
+            <a:off x="6851650" y="1309053"/>
+            <a:ext cx="834789" cy="773204"/>
+          </a:xfrm>
+          <a:prstGeom prst="rect">
+            <a:avLst/>
+          </a:prstGeom>
+          <a:solidFill>
+            <a:schemeClr val="accent1"/>
+          </a:solidFill>
+          <a:ln w="9525" cap="flat" cmpd="sng">
+            <a:solidFill>
+              <a:schemeClr val="dk2"/>
+            </a:solidFill>
+            <a:prstDash val="solid"/>
+            <a:round/>
+            <a:headEnd type="none" w="sm" len="sm"/>
+            <a:tailEnd type="none" w="sm" len="sm"/>
+          </a:ln>
+        </p:spPr>
+        <p:txBody>
+          <a:bodyPr spcFirstLastPara="1" wrap="square" lIns="91425" tIns="91425" rIns="91425" bIns="91425" anchor="ctr" anchorCtr="0">
+            <a:noAutofit/>
+          </a:bodyPr>
+          <a:lstStyle/>
+          <a:p>
+            <a:endParaRPr dirty="0">
+              <a:latin typeface="Arial" panose="020B0604020202020204" pitchFamily="34" charset="0"/>
+              <a:cs typeface="Arial" panose="020B0604020202020204" pitchFamily="34" charset="0"/>
+            </a:endParaRPr>
+          </a:p>
+        </p:txBody>
+      </p:sp>
+      <p:sp>
+        <p:nvSpPr>
+          <p:cNvPr id="65" name="Google Shape;140;g16c60364d53_0_5">
+            <a:extLst>
+              <a:ext uri="{FF2B5EF4-FFF2-40B4-BE49-F238E27FC236}">
+                <a16:creationId xmlns:a16="http://schemas.microsoft.com/office/drawing/2014/main" id="{7E124C1B-51F9-4373-B02E-5ADFBCA8BA55}"/>
+              </a:ext>
+            </a:extLst>
+          </p:cNvPr>
+          <p:cNvSpPr/>
+          <p:nvPr/>
+        </p:nvSpPr>
+        <p:spPr>
+          <a:xfrm>
+            <a:off x="6851650" y="2096477"/>
+            <a:ext cx="834789" cy="773204"/>
+          </a:xfrm>
+          <a:prstGeom prst="rect">
+            <a:avLst/>
+          </a:prstGeom>
+          <a:solidFill>
+            <a:schemeClr val="accent1"/>
+          </a:solidFill>
+          <a:ln w="9525" cap="flat" cmpd="sng">
+            <a:solidFill>
+              <a:schemeClr val="dk2"/>
+            </a:solidFill>
+            <a:prstDash val="solid"/>
+            <a:round/>
+            <a:headEnd type="none" w="sm" len="sm"/>
+            <a:tailEnd type="none" w="sm" len="sm"/>
+          </a:ln>
+        </p:spPr>
+        <p:txBody>
+          <a:bodyPr spcFirstLastPara="1" wrap="square" lIns="91425" tIns="91425" rIns="91425" bIns="91425" anchor="ctr" anchorCtr="0">
+            <a:noAutofit/>
+          </a:bodyPr>
+          <a:lstStyle/>
+          <a:p>
+            <a:endParaRPr>
+              <a:latin typeface="Arial" panose="020B0604020202020204" pitchFamily="34" charset="0"/>
+              <a:cs typeface="Arial" panose="020B0604020202020204" pitchFamily="34" charset="0"/>
+            </a:endParaRPr>
+          </a:p>
+        </p:txBody>
+      </p:sp>
+      <p:sp>
+        <p:nvSpPr>
+          <p:cNvPr id="66" name="Google Shape;140;g16c60364d53_0_5">
+            <a:extLst>
+              <a:ext uri="{FF2B5EF4-FFF2-40B4-BE49-F238E27FC236}">
+                <a16:creationId xmlns:a16="http://schemas.microsoft.com/office/drawing/2014/main" id="{F4DF5B17-E087-4AAA-AB0F-3C37B650C868}"/>
+              </a:ext>
+            </a:extLst>
+          </p:cNvPr>
+          <p:cNvSpPr/>
+          <p:nvPr/>
+        </p:nvSpPr>
+        <p:spPr>
+          <a:xfrm>
+            <a:off x="7678861" y="1315825"/>
+            <a:ext cx="834789" cy="773204"/>
+          </a:xfrm>
+          <a:prstGeom prst="rect">
+            <a:avLst/>
+          </a:prstGeom>
+          <a:solidFill>
+            <a:schemeClr val="accent1"/>
+          </a:solidFill>
+          <a:ln w="9525" cap="flat" cmpd="sng">
+            <a:solidFill>
+              <a:schemeClr val="dk2"/>
+            </a:solidFill>
+            <a:prstDash val="solid"/>
+            <a:round/>
+            <a:headEnd type="none" w="sm" len="sm"/>
+            <a:tailEnd type="none" w="sm" len="sm"/>
+          </a:ln>
+        </p:spPr>
+        <p:txBody>
+          <a:bodyPr spcFirstLastPara="1" wrap="square" lIns="91425" tIns="91425" rIns="91425" bIns="91425" anchor="ctr" anchorCtr="0">
+            <a:noAutofit/>
+          </a:bodyPr>
+          <a:lstStyle/>
+          <a:p>
+            <a:endParaRPr>
+              <a:latin typeface="Arial" panose="020B0604020202020204" pitchFamily="34" charset="0"/>
+              <a:cs typeface="Arial" panose="020B0604020202020204" pitchFamily="34" charset="0"/>
+            </a:endParaRPr>
+          </a:p>
+        </p:txBody>
+      </p:sp>
+      <p:sp>
+        <p:nvSpPr>
+          <p:cNvPr id="67" name="Google Shape;140;g16c60364d53_0_5">
+            <a:extLst>
+              <a:ext uri="{FF2B5EF4-FFF2-40B4-BE49-F238E27FC236}">
+                <a16:creationId xmlns:a16="http://schemas.microsoft.com/office/drawing/2014/main" id="{DBF5E206-F6EA-481D-9CDD-608F184E5FD7}"/>
+              </a:ext>
+            </a:extLst>
+          </p:cNvPr>
+          <p:cNvSpPr/>
+          <p:nvPr/>
+        </p:nvSpPr>
+        <p:spPr>
+          <a:xfrm>
+            <a:off x="7677397" y="2095452"/>
+            <a:ext cx="834789" cy="773204"/>
+          </a:xfrm>
+          <a:prstGeom prst="rect">
+            <a:avLst/>
+          </a:prstGeom>
+          <a:solidFill>
+            <a:schemeClr val="accent1"/>
+          </a:solidFill>
+          <a:ln w="9525" cap="flat" cmpd="sng">
+            <a:solidFill>
+              <a:schemeClr val="dk2"/>
+            </a:solidFill>
+            <a:prstDash val="solid"/>
+            <a:round/>
+            <a:headEnd type="none" w="sm" len="sm"/>
+            <a:tailEnd type="none" w="sm" len="sm"/>
+          </a:ln>
+        </p:spPr>
+        <p:txBody>
+          <a:bodyPr spcFirstLastPara="1" wrap="square" lIns="91425" tIns="91425" rIns="91425" bIns="91425" anchor="ctr" anchorCtr="0">
+            <a:noAutofit/>
+          </a:bodyPr>
+          <a:lstStyle/>
+          <a:p>
+            <a:endParaRPr>
+              <a:latin typeface="Arial" panose="020B0604020202020204" pitchFamily="34" charset="0"/>
+              <a:cs typeface="Arial" panose="020B0604020202020204" pitchFamily="34" charset="0"/>
+            </a:endParaRPr>
+          </a:p>
+        </p:txBody>
+      </p:sp>
+      <p:graphicFrame>
+        <p:nvGraphicFramePr>
+          <p:cNvPr id="31" name="Google Shape;134;g16c60364d53_0_5">
+            <a:extLst>
+              <a:ext uri="{FF2B5EF4-FFF2-40B4-BE49-F238E27FC236}">
+                <a16:creationId xmlns:a16="http://schemas.microsoft.com/office/drawing/2014/main" id="{DC4976C7-2C36-401C-ADFF-AA86E27E41D7}"/>
+              </a:ext>
+            </a:extLst>
+          </p:cNvPr>
+          <p:cNvGraphicFramePr/>
           <p:nvPr>
             <p:extLst>
               <p:ext uri="{D42A27DB-BD31-4B8C-83A1-F6EECF244321}">
-                <p14:modId xmlns:p14="http://schemas.microsoft.com/office/powerpoint/2010/main" val="3985792162"/>
+                <p14:modId xmlns:p14="http://schemas.microsoft.com/office/powerpoint/2010/main" val="83850139"/>
               </p:ext>
             </p:extLst>
           </p:nvPr>
         </p:nvGraphicFramePr>
         <p:xfrm>
-          <a:off x="185897" y="258001"/>
-          <a:ext cx="5370288" cy="691122"/>
+          <a:off x="916263" y="526543"/>
+          <a:ext cx="3324000" cy="3130000"/>
         </p:xfrm>
         <a:graphic>
           <a:graphicData uri="http://schemas.openxmlformats.org/drawingml/2006/table">
             <a:tbl>
               <a:tblPr>
-                <a:tableStyleId>{5C22544A-7EE6-4342-B048-85BDC9FD1C3A}</a:tableStyleId>
+                <a:noFill/>
               </a:tblPr>
               <a:tblGrid>
-                <a:gridCol w="895048">
+                <a:gridCol w="831000">
                   <a:extLst>
                     <a:ext uri="{9D8B030D-6E8A-4147-A177-3AD203B41FA5}">
-                      <a16:colId xmlns:a16="http://schemas.microsoft.com/office/drawing/2014/main" val="1761799328"/>
+                      <a16:colId xmlns:a16="http://schemas.microsoft.com/office/drawing/2014/main" val="20000"/>
                     </a:ext>
                   </a:extLst>
                 </a:gridCol>
-                <a:gridCol w="895048">
+                <a:gridCol w="831000">
                   <a:extLst>
                     <a:ext uri="{9D8B030D-6E8A-4147-A177-3AD203B41FA5}">
-                      <a16:colId xmlns:a16="http://schemas.microsoft.com/office/drawing/2014/main" val="527918126"/>
+                      <a16:colId xmlns:a16="http://schemas.microsoft.com/office/drawing/2014/main" val="20001"/>
                     </a:ext>
                   </a:extLst>
                 </a:gridCol>
-                <a:gridCol w="895048">
+                <a:gridCol w="831000">
                   <a:extLst>
                     <a:ext uri="{9D8B030D-6E8A-4147-A177-3AD203B41FA5}">
-                      <a16:colId xmlns:a16="http://schemas.microsoft.com/office/drawing/2014/main" val="2936480633"/>
+                      <a16:colId xmlns:a16="http://schemas.microsoft.com/office/drawing/2014/main" val="20002"/>
                     </a:ext>
                   </a:extLst>
                 </a:gridCol>
-                <a:gridCol w="895048">
+                <a:gridCol w="831000">
                   <a:extLst>
                     <a:ext uri="{9D8B030D-6E8A-4147-A177-3AD203B41FA5}">
-                      <a16:colId xmlns:a16="http://schemas.microsoft.com/office/drawing/2014/main" val="181197089"/>
-                    </a:ext>
-                  </a:extLst>
-                </a:gridCol>
-                <a:gridCol w="895048">
-                  <a:extLst>
-                    <a:ext uri="{9D8B030D-6E8A-4147-A177-3AD203B41FA5}">
-                      <a16:colId xmlns:a16="http://schemas.microsoft.com/office/drawing/2014/main" val="1611114035"/>
-                    </a:ext>
-                  </a:extLst>
-                </a:gridCol>
-                <a:gridCol w="895048">
-                  <a:extLst>
-                    <a:ext uri="{9D8B030D-6E8A-4147-A177-3AD203B41FA5}">
-                      <a16:colId xmlns:a16="http://schemas.microsoft.com/office/drawing/2014/main" val="2500327408"/>
+                      <a16:colId xmlns:a16="http://schemas.microsoft.com/office/drawing/2014/main" val="20003"/>
                     </a:ext>
                   </a:extLst>
                 </a:gridCol>
               </a:tblGrid>
-              <a:tr h="691122">
+              <a:tr h="782500">
                 <a:tc>
                   <a:txBody>
                     <a:bodyPr/>
                     <a:lstStyle/>
                     <a:p>
-                      <a:pPr algn="ctr"/>
-                      <a:r>
-                        <a:rPr lang="en-US" sz="1400" dirty="0">
-                          <a:latin typeface="Arial" panose="020B0604020202020204" pitchFamily="34" charset="0"/>
-                          <a:cs typeface="Arial" panose="020B0604020202020204" pitchFamily="34" charset="0"/>
-                        </a:rPr>
-                        <a:t>X Position</a:t>
-                      </a:r>
+                      <a:pPr marL="0" lvl="0" indent="0" algn="l" rtl="0">
+                        <a:spcBef>
+                          <a:spcPts val="0"/>
+                        </a:spcBef>
+                        <a:spcAft>
+                          <a:spcPts val="0"/>
+                        </a:spcAft>
+                        <a:buNone/>
+                      </a:pPr>
+                      <a:endParaRPr/>
                     </a:p>
                   </a:txBody>
-                  <a:tcPr anchor="ctr">
-                    <a:lnL w="12700" cap="flat" cmpd="sng" algn="ctr">
-                      <a:solidFill>
-                        <a:schemeClr val="tx1"/>
-                      </a:solidFill>
-                      <a:prstDash val="solid"/>
-                      <a:round/>
-                      <a:headEnd type="none" w="med" len="med"/>
-                      <a:tailEnd type="none" w="med" len="med"/>
-                    </a:lnL>
-                    <a:lnR w="12700" cap="flat" cmpd="sng" algn="ctr">
-                      <a:solidFill>
-                        <a:schemeClr val="tx1"/>
-                      </a:solidFill>
-                      <a:prstDash val="solid"/>
-                      <a:round/>
-                      <a:headEnd type="none" w="med" len="med"/>
-                      <a:tailEnd type="none" w="med" len="med"/>
-                    </a:lnR>
-                    <a:lnT w="12700" cap="flat" cmpd="sng" algn="ctr">
-                      <a:solidFill>
-                        <a:schemeClr val="tx1"/>
-                      </a:solidFill>
-                      <a:prstDash val="solid"/>
-                      <a:round/>
-                      <a:headEnd type="none" w="med" len="med"/>
-                      <a:tailEnd type="none" w="med" len="med"/>
-                    </a:lnT>
-                    <a:lnB w="12700" cap="flat" cmpd="sng" algn="ctr">
-                      <a:solidFill>
-                        <a:schemeClr val="tx1"/>
-                      </a:solidFill>
-                      <a:prstDash val="solid"/>
-                      <a:round/>
-                      <a:headEnd type="none" w="med" len="med"/>
-                      <a:tailEnd type="none" w="med" len="med"/>
-                    </a:lnB>
-                    <a:lnTlToBr w="12700" cmpd="sng">
-                      <a:noFill/>
-                      <a:prstDash val="solid"/>
-                    </a:lnTlToBr>
-                    <a:lnBlToTr w="12700" cmpd="sng">
-                      <a:noFill/>
-                      <a:prstDash val="solid"/>
-                    </a:lnBlToTr>
-                    <a:solidFill>
-                      <a:schemeClr val="accent2">
-                        <a:lumMod val="20000"/>
-                        <a:lumOff val="80000"/>
-                      </a:schemeClr>
-                    </a:solidFill>
-                  </a:tcPr>
+                  <a:tcPr marL="91425" marR="91425" marT="91425" marB="91425"/>
                 </a:tc>
                 <a:tc>
                   <a:txBody>
                     <a:bodyPr/>
                     <a:lstStyle/>
                     <a:p>
-                      <a:pPr marL="0" marR="0" lvl="0" indent="0" algn="ctr" defTabSz="914400" rtl="0" eaLnBrk="1" fontAlgn="auto" latinLnBrk="0" hangingPunct="1">
-                        <a:lnSpc>
-                          <a:spcPct val="100000"/>
-                        </a:lnSpc>
+                      <a:pPr marL="0" lvl="0" indent="0" algn="l" rtl="0">
                         <a:spcBef>
                           <a:spcPts val="0"/>
                         </a:spcBef>
                         <a:spcAft>
                           <a:spcPts val="0"/>
                         </a:spcAft>
-                        <a:buClrTx/>
-                        <a:buSzTx/>
-                        <a:buFontTx/>
                         <a:buNone/>
-                        <a:tabLst/>
-                        <a:defRPr/>
                       </a:pPr>
-                      <a:r>
-                        <a:rPr lang="en-US" sz="1400" dirty="0">
-                          <a:latin typeface="Arial" panose="020B0604020202020204" pitchFamily="34" charset="0"/>
-                          <a:cs typeface="Arial" panose="020B0604020202020204" pitchFamily="34" charset="0"/>
-                        </a:rPr>
-                        <a:t>Y Position</a:t>
-                      </a:r>
+                      <a:endParaRPr/>
                     </a:p>
                   </a:txBody>
-                  <a:tcPr anchor="ctr">
-                    <a:lnL w="12700" cap="flat" cmpd="sng" algn="ctr">
-                      <a:solidFill>
-                        <a:schemeClr val="tx1"/>
-                      </a:solidFill>
-                      <a:prstDash val="solid"/>
-                      <a:round/>
-                      <a:headEnd type="none" w="med" len="med"/>
-                      <a:tailEnd type="none" w="med" len="med"/>
-                    </a:lnL>
-                    <a:lnR w="12700" cap="flat" cmpd="sng" algn="ctr">
-                      <a:solidFill>
-                        <a:schemeClr val="tx1"/>
-                      </a:solidFill>
-                      <a:prstDash val="solid"/>
-                      <a:round/>
-                      <a:headEnd type="none" w="med" len="med"/>
-                      <a:tailEnd type="none" w="med" len="med"/>
-                    </a:lnR>
-                    <a:lnT w="12700" cap="flat" cmpd="sng" algn="ctr">
-                      <a:solidFill>
-                        <a:schemeClr val="tx1"/>
-                      </a:solidFill>
-                      <a:prstDash val="solid"/>
-                      <a:round/>
-                      <a:headEnd type="none" w="med" len="med"/>
-                      <a:tailEnd type="none" w="med" len="med"/>
-                    </a:lnT>
-                    <a:lnB w="12700" cap="flat" cmpd="sng" algn="ctr">
-                      <a:solidFill>
-                        <a:schemeClr val="tx1"/>
-                      </a:solidFill>
-                      <a:prstDash val="solid"/>
-                      <a:round/>
-                      <a:headEnd type="none" w="med" len="med"/>
-                      <a:tailEnd type="none" w="med" len="med"/>
-                    </a:lnB>
-                    <a:lnTlToBr w="12700" cmpd="sng">
-                      <a:noFill/>
-                      <a:prstDash val="solid"/>
-                    </a:lnTlToBr>
-                    <a:lnBlToTr w="12700" cmpd="sng">
-                      <a:noFill/>
-                      <a:prstDash val="solid"/>
-                    </a:lnBlToTr>
-                    <a:solidFill>
-                      <a:schemeClr val="accent2">
-                        <a:lumMod val="40000"/>
-                        <a:lumOff val="60000"/>
-                      </a:schemeClr>
-                    </a:solidFill>
-                  </a:tcPr>
+                  <a:tcPr marL="91425" marR="91425" marT="91425" marB="91425"/>
                 </a:tc>
                 <a:tc>
                   <a:txBody>
                     <a:bodyPr/>
                     <a:lstStyle/>
                     <a:p>
-                      <a:pPr algn="ctr"/>
-                      <a:r>
-                        <a:rPr lang="en-US" sz="1400" dirty="0">
-                          <a:latin typeface="Arial" panose="020B0604020202020204" pitchFamily="34" charset="0"/>
-                          <a:cs typeface="Arial" panose="020B0604020202020204" pitchFamily="34" charset="0"/>
-                        </a:rPr>
-                        <a:t>Direction</a:t>
-                      </a:r>
+                      <a:pPr marL="0" lvl="0" indent="0" algn="l" rtl="0">
+                        <a:spcBef>
+                          <a:spcPts val="0"/>
+                        </a:spcBef>
+                        <a:spcAft>
+                          <a:spcPts val="0"/>
+                        </a:spcAft>
+                        <a:buNone/>
+                      </a:pPr>
+                      <a:endParaRPr/>
                     </a:p>
                   </a:txBody>
-                  <a:tcPr anchor="ctr">
-                    <a:lnL w="12700" cap="flat" cmpd="sng" algn="ctr">
-                      <a:solidFill>
-                        <a:schemeClr val="tx1"/>
-                      </a:solidFill>
-                      <a:prstDash val="solid"/>
-                      <a:round/>
-                      <a:headEnd type="none" w="med" len="med"/>
-                      <a:tailEnd type="none" w="med" len="med"/>
-                    </a:lnL>
-                    <a:lnR w="12700" cap="flat" cmpd="sng" algn="ctr">
-                      <a:solidFill>
-                        <a:schemeClr val="tx1"/>
-                      </a:solidFill>
-                      <a:prstDash val="solid"/>
-                      <a:round/>
-                      <a:headEnd type="none" w="med" len="med"/>
-                      <a:tailEnd type="none" w="med" len="med"/>
-                    </a:lnR>
-                    <a:lnT w="12700" cap="flat" cmpd="sng" algn="ctr">
-                      <a:solidFill>
-                        <a:schemeClr val="tx1"/>
-                      </a:solidFill>
-                      <a:prstDash val="solid"/>
-                      <a:round/>
-                      <a:headEnd type="none" w="med" len="med"/>
-                      <a:tailEnd type="none" w="med" len="med"/>
-                    </a:lnT>
-                    <a:lnB w="12700" cap="flat" cmpd="sng" algn="ctr">
-                      <a:solidFill>
-                        <a:schemeClr val="tx1"/>
-                      </a:solidFill>
-                      <a:prstDash val="solid"/>
-                      <a:round/>
-                      <a:headEnd type="none" w="med" len="med"/>
-                      <a:tailEnd type="none" w="med" len="med"/>
-                    </a:lnB>
-                    <a:lnTlToBr w="12700" cmpd="sng">
-                      <a:noFill/>
-                      <a:prstDash val="solid"/>
-                    </a:lnTlToBr>
-                    <a:lnBlToTr w="12700" cmpd="sng">
-                      <a:noFill/>
-                      <a:prstDash val="solid"/>
-                    </a:lnBlToTr>
-                    <a:solidFill>
-                      <a:schemeClr val="accent2">
-                        <a:lumMod val="60000"/>
-                        <a:lumOff val="40000"/>
-                      </a:schemeClr>
-                    </a:solidFill>
-                  </a:tcPr>
+                  <a:tcPr marL="91425" marR="91425" marT="91425" marB="91425"/>
                 </a:tc>
                 <a:tc>
                   <a:txBody>
                     <a:bodyPr/>
                     <a:lstStyle/>
                     <a:p>
-                      <a:pPr algn="ctr"/>
-                      <a:r>
-                        <a:rPr lang="en-US" sz="1400" dirty="0">
-                          <a:latin typeface="Arial" panose="020B0604020202020204" pitchFamily="34" charset="0"/>
-                          <a:cs typeface="Arial" panose="020B0604020202020204" pitchFamily="34" charset="0"/>
-                        </a:rPr>
-                        <a:t>X Position</a:t>
-                      </a:r>
+                      <a:pPr marL="0" lvl="0" indent="0" algn="l" rtl="0">
+                        <a:spcBef>
+                          <a:spcPts val="0"/>
+                        </a:spcBef>
+                        <a:spcAft>
+                          <a:spcPts val="0"/>
+                        </a:spcAft>
+                        <a:buNone/>
+                      </a:pPr>
+                      <a:endParaRPr/>
                     </a:p>
                   </a:txBody>
-                  <a:tcPr anchor="ctr">
-                    <a:lnL w="12700" cap="flat" cmpd="sng" algn="ctr">
-                      <a:solidFill>
-                        <a:schemeClr val="tx1"/>
-                      </a:solidFill>
-                      <a:prstDash val="solid"/>
-                      <a:round/>
-                      <a:headEnd type="none" w="med" len="med"/>
-                      <a:tailEnd type="none" w="med" len="med"/>
-                    </a:lnL>
-                    <a:lnR w="12700" cap="flat" cmpd="sng" algn="ctr">
-                      <a:solidFill>
-                        <a:schemeClr val="tx1"/>
-                      </a:solidFill>
-                      <a:prstDash val="solid"/>
-                      <a:round/>
-                      <a:headEnd type="none" w="med" len="med"/>
-                      <a:tailEnd type="none" w="med" len="med"/>
-                    </a:lnR>
-                    <a:lnT w="12700" cap="flat" cmpd="sng" algn="ctr">
-                      <a:solidFill>
-                        <a:schemeClr val="tx1"/>
-                      </a:solidFill>
-                      <a:prstDash val="solid"/>
-                      <a:round/>
-                      <a:headEnd type="none" w="med" len="med"/>
-                      <a:tailEnd type="none" w="med" len="med"/>
-                    </a:lnT>
-                    <a:lnB w="12700" cap="flat" cmpd="sng" algn="ctr">
-                      <a:solidFill>
-                        <a:schemeClr val="tx1"/>
-                      </a:solidFill>
-                      <a:prstDash val="solid"/>
-                      <a:round/>
-                      <a:headEnd type="none" w="med" len="med"/>
-                      <a:tailEnd type="none" w="med" len="med"/>
-                    </a:lnB>
-                    <a:lnTlToBr w="12700" cmpd="sng">
-                      <a:noFill/>
-                      <a:prstDash val="solid"/>
-                    </a:lnTlToBr>
-                    <a:lnBlToTr w="12700" cmpd="sng">
-                      <a:noFill/>
-                      <a:prstDash val="solid"/>
-                    </a:lnBlToTr>
-                    <a:solidFill>
-                      <a:schemeClr val="accent4">
-                        <a:lumMod val="20000"/>
-                        <a:lumOff val="80000"/>
-                      </a:schemeClr>
-                    </a:solidFill>
-                  </a:tcPr>
+                  <a:tcPr marL="91425" marR="91425" marT="91425" marB="91425"/>
+                </a:tc>
+                <a:extLst>
+                  <a:ext uri="{0D108BD9-81ED-4DB2-BD59-A6C34878D82A}">
+                    <a16:rowId xmlns:a16="http://schemas.microsoft.com/office/drawing/2014/main" val="10000"/>
+                  </a:ext>
+                </a:extLst>
+              </a:tr>
+              <a:tr h="782500">
+                <a:tc>
+                  <a:txBody>
+                    <a:bodyPr/>
+                    <a:lstStyle/>
+                    <a:p>
+                      <a:pPr marL="0" lvl="0" indent="0" algn="l" rtl="0">
+                        <a:spcBef>
+                          <a:spcPts val="0"/>
+                        </a:spcBef>
+                        <a:spcAft>
+                          <a:spcPts val="0"/>
+                        </a:spcAft>
+                        <a:buNone/>
+                      </a:pPr>
+                      <a:endParaRPr/>
+                    </a:p>
+                  </a:txBody>
+                  <a:tcPr marL="91425" marR="91425" marT="91425" marB="91425"/>
                 </a:tc>
                 <a:tc>
                   <a:txBody>
                     <a:bodyPr/>
                     <a:lstStyle/>
                     <a:p>
-                      <a:pPr marL="0" marR="0" lvl="0" indent="0" algn="ctr" defTabSz="914400" rtl="0" eaLnBrk="1" fontAlgn="auto" latinLnBrk="0" hangingPunct="1">
-                        <a:lnSpc>
-                          <a:spcPct val="100000"/>
-                        </a:lnSpc>
+                      <a:pPr marL="0" lvl="0" indent="0" algn="l" rtl="0">
                         <a:spcBef>
                           <a:spcPts val="0"/>
                         </a:spcBef>
                         <a:spcAft>
                           <a:spcPts val="0"/>
                         </a:spcAft>
-                        <a:buClrTx/>
-                        <a:buSzTx/>
-                        <a:buFontTx/>
                         <a:buNone/>
-                        <a:tabLst/>
-                        <a:defRPr/>
                       </a:pPr>
-                      <a:r>
-                        <a:rPr lang="en-US" sz="1400" dirty="0">
-                          <a:latin typeface="Arial" panose="020B0604020202020204" pitchFamily="34" charset="0"/>
-                          <a:cs typeface="Arial" panose="020B0604020202020204" pitchFamily="34" charset="0"/>
-                        </a:rPr>
-                        <a:t>Y Position</a:t>
-                      </a:r>
+                      <a:endParaRPr/>
                     </a:p>
                   </a:txBody>
-                  <a:tcPr anchor="ctr">
-                    <a:lnL w="12700" cap="flat" cmpd="sng" algn="ctr">
-                      <a:solidFill>
-                        <a:schemeClr val="tx1"/>
-                      </a:solidFill>
-                      <a:prstDash val="solid"/>
-                      <a:round/>
-                      <a:headEnd type="none" w="med" len="med"/>
-                      <a:tailEnd type="none" w="med" len="med"/>
-                    </a:lnL>
-                    <a:lnR w="12700" cap="flat" cmpd="sng" algn="ctr">
-                      <a:solidFill>
-                        <a:schemeClr val="tx1"/>
-                      </a:solidFill>
-                      <a:prstDash val="solid"/>
-                      <a:round/>
-                      <a:headEnd type="none" w="med" len="med"/>
-                      <a:tailEnd type="none" w="med" len="med"/>
-                    </a:lnR>
-                    <a:lnT w="12700" cap="flat" cmpd="sng" algn="ctr">
-                      <a:solidFill>
-                        <a:schemeClr val="tx1"/>
-                      </a:solidFill>
-                      <a:prstDash val="solid"/>
-                      <a:round/>
-                      <a:headEnd type="none" w="med" len="med"/>
-                      <a:tailEnd type="none" w="med" len="med"/>
-                    </a:lnT>
-                    <a:lnB w="12700" cap="flat" cmpd="sng" algn="ctr">
-                      <a:solidFill>
-                        <a:schemeClr val="tx1"/>
-                      </a:solidFill>
-                      <a:prstDash val="solid"/>
-                      <a:round/>
-                      <a:headEnd type="none" w="med" len="med"/>
-                      <a:tailEnd type="none" w="med" len="med"/>
-                    </a:lnB>
-                    <a:lnTlToBr w="12700" cmpd="sng">
-                      <a:noFill/>
-                      <a:prstDash val="solid"/>
-                    </a:lnTlToBr>
-                    <a:lnBlToTr w="12700" cmpd="sng">
-                      <a:noFill/>
-                      <a:prstDash val="solid"/>
-                    </a:lnBlToTr>
-                    <a:solidFill>
-                      <a:schemeClr val="accent4">
-                        <a:lumMod val="40000"/>
-                        <a:lumOff val="60000"/>
-                      </a:schemeClr>
-                    </a:solidFill>
-                  </a:tcPr>
+                  <a:tcPr marL="91425" marR="91425" marT="91425" marB="91425"/>
                 </a:tc>
                 <a:tc>
                   <a:txBody>
                     <a:bodyPr/>
                     <a:lstStyle/>
                     <a:p>
-                      <a:pPr algn="ctr"/>
-                      <a:r>
-                        <a:rPr lang="en-US" sz="1400" dirty="0">
-                          <a:latin typeface="Arial" panose="020B0604020202020204" pitchFamily="34" charset="0"/>
-                          <a:cs typeface="Arial" panose="020B0604020202020204" pitchFamily="34" charset="0"/>
-                        </a:rPr>
-                        <a:t>Direction</a:t>
-                      </a:r>
+                      <a:pPr marL="0" lvl="0" indent="0" algn="l" rtl="0">
+                        <a:spcBef>
+                          <a:spcPts val="0"/>
+                        </a:spcBef>
+                        <a:spcAft>
+                          <a:spcPts val="0"/>
+                        </a:spcAft>
+                        <a:buNone/>
+                      </a:pPr>
+                      <a:endParaRPr/>
                     </a:p>
                   </a:txBody>
-                  <a:tcPr anchor="ctr">
-                    <a:lnL w="12700" cap="flat" cmpd="sng" algn="ctr">
-                      <a:solidFill>
-                        <a:schemeClr val="tx1"/>
-                      </a:solidFill>
-                      <a:prstDash val="solid"/>
-                      <a:round/>
-                      <a:headEnd type="none" w="med" len="med"/>
-                      <a:tailEnd type="none" w="med" len="med"/>
-                    </a:lnL>
-                    <a:lnR w="12700" cap="flat" cmpd="sng" algn="ctr">
-                      <a:solidFill>
-                        <a:schemeClr val="tx1"/>
-                      </a:solidFill>
-                      <a:prstDash val="solid"/>
-                      <a:round/>
-                      <a:headEnd type="none" w="med" len="med"/>
-                      <a:tailEnd type="none" w="med" len="med"/>
-                    </a:lnR>
-                    <a:lnT w="12700" cap="flat" cmpd="sng" algn="ctr">
-                      <a:solidFill>
-                        <a:schemeClr val="tx1"/>
-                      </a:solidFill>
-                      <a:prstDash val="solid"/>
-                      <a:round/>
-                      <a:headEnd type="none" w="med" len="med"/>
-                      <a:tailEnd type="none" w="med" len="med"/>
-                    </a:lnT>
-                    <a:lnB w="12700" cap="flat" cmpd="sng" algn="ctr">
-                      <a:solidFill>
-                        <a:schemeClr val="tx1"/>
-                      </a:solidFill>
-                      <a:prstDash val="solid"/>
-                      <a:round/>
-                      <a:headEnd type="none" w="med" len="med"/>
-                      <a:tailEnd type="none" w="med" len="med"/>
-                    </a:lnB>
-                    <a:lnTlToBr w="12700" cmpd="sng">
-                      <a:noFill/>
-                      <a:prstDash val="solid"/>
-                    </a:lnTlToBr>
-                    <a:lnBlToTr w="12700" cmpd="sng">
-                      <a:noFill/>
-                      <a:prstDash val="solid"/>
-                    </a:lnBlToTr>
-                    <a:solidFill>
-                      <a:schemeClr val="accent4">
-                        <a:lumMod val="60000"/>
-                        <a:lumOff val="40000"/>
-                      </a:schemeClr>
-                    </a:solidFill>
-                  </a:tcPr>
+                  <a:tcPr marL="91425" marR="91425" marT="91425" marB="91425"/>
+                </a:tc>
+                <a:tc>
+                  <a:txBody>
+                    <a:bodyPr/>
+                    <a:lstStyle/>
+                    <a:p>
+                      <a:pPr marL="0" lvl="0" indent="0" algn="l" rtl="0">
+                        <a:spcBef>
+                          <a:spcPts val="0"/>
+                        </a:spcBef>
+                        <a:spcAft>
+                          <a:spcPts val="0"/>
+                        </a:spcAft>
+                        <a:buNone/>
+                      </a:pPr>
+                      <a:endParaRPr/>
+                    </a:p>
+                  </a:txBody>
+                  <a:tcPr marL="91425" marR="91425" marT="91425" marB="91425"/>
                 </a:tc>
                 <a:extLst>
                   <a:ext uri="{0D108BD9-81ED-4DB2-BD59-A6C34878D82A}">
-                    <a16:rowId xmlns:a16="http://schemas.microsoft.com/office/drawing/2014/main" val="1037960574"/>
+                    <a16:rowId xmlns:a16="http://schemas.microsoft.com/office/drawing/2014/main" val="10001"/>
+                  </a:ext>
+                </a:extLst>
+              </a:tr>
+              <a:tr h="782500">
+                <a:tc>
+                  <a:txBody>
+                    <a:bodyPr/>
+                    <a:lstStyle/>
+                    <a:p>
+                      <a:pPr marL="0" lvl="0" indent="0" algn="l" rtl="0">
+                        <a:spcBef>
+                          <a:spcPts val="0"/>
+                        </a:spcBef>
+                        <a:spcAft>
+                          <a:spcPts val="0"/>
+                        </a:spcAft>
+                        <a:buNone/>
+                      </a:pPr>
+                      <a:endParaRPr/>
+                    </a:p>
+                  </a:txBody>
+                  <a:tcPr marL="91425" marR="91425" marT="91425" marB="91425"/>
+                </a:tc>
+                <a:tc>
+                  <a:txBody>
+                    <a:bodyPr/>
+                    <a:lstStyle/>
+                    <a:p>
+                      <a:pPr marL="0" lvl="0" indent="0" algn="l" rtl="0">
+                        <a:spcBef>
+                          <a:spcPts val="0"/>
+                        </a:spcBef>
+                        <a:spcAft>
+                          <a:spcPts val="0"/>
+                        </a:spcAft>
+                        <a:buNone/>
+                      </a:pPr>
+                      <a:endParaRPr dirty="0"/>
+                    </a:p>
+                  </a:txBody>
+                  <a:tcPr marL="91425" marR="91425" marT="91425" marB="91425"/>
+                </a:tc>
+                <a:tc>
+                  <a:txBody>
+                    <a:bodyPr/>
+                    <a:lstStyle/>
+                    <a:p>
+                      <a:pPr marL="0" lvl="0" indent="0" algn="l" rtl="0">
+                        <a:spcBef>
+                          <a:spcPts val="0"/>
+                        </a:spcBef>
+                        <a:spcAft>
+                          <a:spcPts val="0"/>
+                        </a:spcAft>
+                        <a:buNone/>
+                      </a:pPr>
+                      <a:endParaRPr dirty="0"/>
+                    </a:p>
+                  </a:txBody>
+                  <a:tcPr marL="91425" marR="91425" marT="91425" marB="91425"/>
+                </a:tc>
+                <a:tc>
+                  <a:txBody>
+                    <a:bodyPr/>
+                    <a:lstStyle/>
+                    <a:p>
+                      <a:pPr marL="0" lvl="0" indent="0" algn="l" rtl="0">
+                        <a:spcBef>
+                          <a:spcPts val="0"/>
+                        </a:spcBef>
+                        <a:spcAft>
+                          <a:spcPts val="0"/>
+                        </a:spcAft>
+                        <a:buNone/>
+                      </a:pPr>
+                      <a:endParaRPr dirty="0"/>
+                    </a:p>
+                  </a:txBody>
+                  <a:tcPr marL="91425" marR="91425" marT="91425" marB="91425"/>
+                </a:tc>
+                <a:extLst>
+                  <a:ext uri="{0D108BD9-81ED-4DB2-BD59-A6C34878D82A}">
+                    <a16:rowId xmlns:a16="http://schemas.microsoft.com/office/drawing/2014/main" val="10002"/>
+                  </a:ext>
+                </a:extLst>
+              </a:tr>
+              <a:tr h="782500">
+                <a:tc>
+                  <a:txBody>
+                    <a:bodyPr/>
+                    <a:lstStyle/>
+                    <a:p>
+                      <a:pPr marL="0" lvl="0" indent="0" algn="l" rtl="0">
+                        <a:spcBef>
+                          <a:spcPts val="0"/>
+                        </a:spcBef>
+                        <a:spcAft>
+                          <a:spcPts val="0"/>
+                        </a:spcAft>
+                        <a:buNone/>
+                      </a:pPr>
+                      <a:endParaRPr/>
+                    </a:p>
+                  </a:txBody>
+                  <a:tcPr marL="91425" marR="91425" marT="91425" marB="91425"/>
+                </a:tc>
+                <a:tc>
+                  <a:txBody>
+                    <a:bodyPr/>
+                    <a:lstStyle/>
+                    <a:p>
+                      <a:pPr marL="0" lvl="0" indent="0" algn="l" rtl="0">
+                        <a:spcBef>
+                          <a:spcPts val="0"/>
+                        </a:spcBef>
+                        <a:spcAft>
+                          <a:spcPts val="0"/>
+                        </a:spcAft>
+                        <a:buNone/>
+                      </a:pPr>
+                      <a:endParaRPr dirty="0"/>
+                    </a:p>
+                  </a:txBody>
+                  <a:tcPr marL="91425" marR="91425" marT="91425" marB="91425"/>
+                </a:tc>
+                <a:tc>
+                  <a:txBody>
+                    <a:bodyPr/>
+                    <a:lstStyle/>
+                    <a:p>
+                      <a:pPr marL="0" lvl="0" indent="0" algn="l" rtl="0">
+                        <a:spcBef>
+                          <a:spcPts val="0"/>
+                        </a:spcBef>
+                        <a:spcAft>
+                          <a:spcPts val="0"/>
+                        </a:spcAft>
+                        <a:buNone/>
+                      </a:pPr>
+                      <a:endParaRPr/>
+                    </a:p>
+                  </a:txBody>
+                  <a:tcPr marL="91425" marR="91425" marT="91425" marB="91425"/>
+                </a:tc>
+                <a:tc>
+                  <a:txBody>
+                    <a:bodyPr/>
+                    <a:lstStyle/>
+                    <a:p>
+                      <a:pPr marL="0" lvl="0" indent="0" algn="l" rtl="0">
+                        <a:spcBef>
+                          <a:spcPts val="0"/>
+                        </a:spcBef>
+                        <a:spcAft>
+                          <a:spcPts val="0"/>
+                        </a:spcAft>
+                        <a:buNone/>
+                      </a:pPr>
+                      <a:endParaRPr dirty="0"/>
+                    </a:p>
+                  </a:txBody>
+                  <a:tcPr marL="91425" marR="91425" marT="91425" marB="91425"/>
+                </a:tc>
+                <a:extLst>
+                  <a:ext uri="{0D108BD9-81ED-4DB2-BD59-A6C34878D82A}">
+                    <a16:rowId xmlns:a16="http://schemas.microsoft.com/office/drawing/2014/main" val="10003"/>
                   </a:ext>
                 </a:extLst>
               </a:tr>
@@ -3493,283 +3689,779 @@
           </a:graphicData>
         </a:graphic>
       </p:graphicFrame>
-      <p:graphicFrame>
-        <p:nvGraphicFramePr>
-          <p:cNvPr id="45" name="Table 44">
+      <p:cxnSp>
+        <p:nvCxnSpPr>
+          <p:cNvPr id="32" name="Google Shape;135;g16c60364d53_0_5">
             <a:extLst>
               <a:ext uri="{FF2B5EF4-FFF2-40B4-BE49-F238E27FC236}">
-                <a16:creationId xmlns:a16="http://schemas.microsoft.com/office/drawing/2014/main" id="{B0E9D9B5-AB7C-4FE2-A35D-5E58C0726A15}"/>
+                <a16:creationId xmlns:a16="http://schemas.microsoft.com/office/drawing/2014/main" id="{07C78D27-4B27-40B5-9C6F-AF1FE178D78E}"/>
               </a:ext>
             </a:extLst>
           </p:cNvPr>
-          <p:cNvGraphicFramePr>
-            <a:graphicFrameLocks noGrp="1"/>
-          </p:cNvGraphicFramePr>
+          <p:cNvCxnSpPr>
+            <a:cxnSpLocks/>
+          </p:cNvCxnSpPr>
+          <p:nvPr/>
+        </p:nvCxnSpPr>
+        <p:spPr>
+          <a:xfrm>
+            <a:off x="903191" y="456756"/>
+            <a:ext cx="3463279" cy="0"/>
+          </a:xfrm>
+          <a:prstGeom prst="straightConnector1">
+            <a:avLst/>
+          </a:prstGeom>
+          <a:noFill/>
+          <a:ln w="9525" cap="flat" cmpd="sng">
+            <a:solidFill>
+              <a:schemeClr val="dk2"/>
+            </a:solidFill>
+            <a:prstDash val="solid"/>
+            <a:round/>
+            <a:headEnd type="none" w="med" len="med"/>
+            <a:tailEnd type="triangle" w="med" len="med"/>
+          </a:ln>
+        </p:spPr>
+      </p:cxnSp>
+      <p:cxnSp>
+        <p:nvCxnSpPr>
+          <p:cNvPr id="33" name="Google Shape;136;g16c60364d53_0_5">
+            <a:extLst>
+              <a:ext uri="{FF2B5EF4-FFF2-40B4-BE49-F238E27FC236}">
+                <a16:creationId xmlns:a16="http://schemas.microsoft.com/office/drawing/2014/main" id="{1EF77F86-26AD-4405-B23C-D2AFBCB1DDFB}"/>
+              </a:ext>
+            </a:extLst>
+          </p:cNvPr>
+          <p:cNvCxnSpPr>
+            <a:cxnSpLocks/>
+          </p:cNvCxnSpPr>
+          <p:nvPr/>
+        </p:nvCxnSpPr>
+        <p:spPr>
+          <a:xfrm>
+            <a:off x="818913" y="535626"/>
+            <a:ext cx="0" cy="3319742"/>
+          </a:xfrm>
+          <a:prstGeom prst="straightConnector1">
+            <a:avLst/>
+          </a:prstGeom>
+          <a:noFill/>
+          <a:ln w="9525" cap="flat" cmpd="sng">
+            <a:solidFill>
+              <a:schemeClr val="dk2"/>
+            </a:solidFill>
+            <a:prstDash val="solid"/>
+            <a:round/>
+            <a:headEnd type="none" w="med" len="med"/>
+            <a:tailEnd type="triangle" w="med" len="med"/>
+          </a:ln>
+        </p:spPr>
+      </p:cxnSp>
+      <p:sp>
+        <p:nvSpPr>
+          <p:cNvPr id="34" name="Google Shape;137;g16c60364d53_0_5">
+            <a:extLst>
+              <a:ext uri="{FF2B5EF4-FFF2-40B4-BE49-F238E27FC236}">
+                <a16:creationId xmlns:a16="http://schemas.microsoft.com/office/drawing/2014/main" id="{20970BAD-E4D0-4738-B552-1E3C189DEACF}"/>
+              </a:ext>
+            </a:extLst>
+          </p:cNvPr>
+          <p:cNvSpPr txBox="1"/>
+          <p:nvPr/>
+        </p:nvSpPr>
+        <p:spPr>
+          <a:xfrm>
+            <a:off x="640779" y="227789"/>
+            <a:ext cx="356267" cy="491851"/>
+          </a:xfrm>
+          <a:prstGeom prst="rect">
+            <a:avLst/>
+          </a:prstGeom>
+          <a:noFill/>
+          <a:ln>
+            <a:noFill/>
+          </a:ln>
+        </p:spPr>
+        <p:txBody>
+          <a:bodyPr spcFirstLastPara="1" wrap="square" lIns="91425" tIns="91425" rIns="91425" bIns="91425" anchor="t" anchorCtr="0">
+            <a:spAutoFit/>
+          </a:bodyPr>
+          <a:lstStyle/>
+          <a:p>
+            <a:pPr algn="ctr"/>
+            <a:r>
+              <a:rPr lang="en-US">
+                <a:latin typeface="Arial" panose="020B0604020202020204" pitchFamily="34" charset="0"/>
+                <a:ea typeface="Calibri"/>
+                <a:cs typeface="Arial" panose="020B0604020202020204" pitchFamily="34" charset="0"/>
+                <a:sym typeface="Calibri"/>
+              </a:rPr>
+              <a:t>0</a:t>
+            </a:r>
+            <a:endParaRPr>
+              <a:latin typeface="Arial" panose="020B0604020202020204" pitchFamily="34" charset="0"/>
+              <a:ea typeface="Calibri"/>
+              <a:cs typeface="Arial" panose="020B0604020202020204" pitchFamily="34" charset="0"/>
+              <a:sym typeface="Calibri"/>
+            </a:endParaRPr>
+          </a:p>
+        </p:txBody>
+      </p:sp>
+      <p:sp>
+        <p:nvSpPr>
+          <p:cNvPr id="35" name="Google Shape;138;g16c60364d53_0_5">
+            <a:extLst>
+              <a:ext uri="{FF2B5EF4-FFF2-40B4-BE49-F238E27FC236}">
+                <a16:creationId xmlns:a16="http://schemas.microsoft.com/office/drawing/2014/main" id="{5F652FD1-8D96-47D1-ABD3-2F5096430851}"/>
+              </a:ext>
+            </a:extLst>
+          </p:cNvPr>
+          <p:cNvSpPr txBox="1"/>
+          <p:nvPr/>
+        </p:nvSpPr>
+        <p:spPr>
+          <a:xfrm>
+            <a:off x="4030418" y="217567"/>
+            <a:ext cx="840195" cy="491851"/>
+          </a:xfrm>
+          <a:prstGeom prst="rect">
+            <a:avLst/>
+          </a:prstGeom>
+          <a:noFill/>
+          <a:ln>
+            <a:noFill/>
+          </a:ln>
+        </p:spPr>
+        <p:txBody>
+          <a:bodyPr spcFirstLastPara="1" wrap="square" lIns="91425" tIns="91425" rIns="91425" bIns="91425" anchor="t" anchorCtr="0">
+            <a:spAutoFit/>
+          </a:bodyPr>
+          <a:lstStyle/>
+          <a:p>
+            <a:pPr algn="ctr"/>
+            <a:r>
+              <a:rPr lang="en-US">
+                <a:latin typeface="Arial" panose="020B0604020202020204" pitchFamily="34" charset="0"/>
+                <a:ea typeface="Calibri"/>
+                <a:cs typeface="Arial" panose="020B0604020202020204" pitchFamily="34" charset="0"/>
+                <a:sym typeface="Calibri"/>
+              </a:rPr>
+              <a:t>X</a:t>
+            </a:r>
+            <a:endParaRPr>
+              <a:latin typeface="Arial" panose="020B0604020202020204" pitchFamily="34" charset="0"/>
+              <a:ea typeface="Calibri"/>
+              <a:cs typeface="Arial" panose="020B0604020202020204" pitchFamily="34" charset="0"/>
+              <a:sym typeface="Calibri"/>
+            </a:endParaRPr>
+          </a:p>
+        </p:txBody>
+      </p:sp>
+      <p:sp>
+        <p:nvSpPr>
+          <p:cNvPr id="36" name="Google Shape;139;g16c60364d53_0_5">
+            <a:extLst>
+              <a:ext uri="{FF2B5EF4-FFF2-40B4-BE49-F238E27FC236}">
+                <a16:creationId xmlns:a16="http://schemas.microsoft.com/office/drawing/2014/main" id="{443CBBEC-51CD-431D-A0E5-0854908ED731}"/>
+              </a:ext>
+            </a:extLst>
+          </p:cNvPr>
+          <p:cNvSpPr txBox="1"/>
+          <p:nvPr/>
+        </p:nvSpPr>
+        <p:spPr>
+          <a:xfrm>
+            <a:off x="398815" y="3746777"/>
+            <a:ext cx="840195" cy="491851"/>
+          </a:xfrm>
+          <a:prstGeom prst="rect">
+            <a:avLst/>
+          </a:prstGeom>
+          <a:noFill/>
+          <a:ln>
+            <a:noFill/>
+          </a:ln>
+        </p:spPr>
+        <p:txBody>
+          <a:bodyPr spcFirstLastPara="1" wrap="square" lIns="91425" tIns="91425" rIns="91425" bIns="91425" anchor="t" anchorCtr="0">
+            <a:spAutoFit/>
+          </a:bodyPr>
+          <a:lstStyle/>
+          <a:p>
+            <a:pPr algn="ctr"/>
+            <a:r>
+              <a:rPr lang="en-US">
+                <a:latin typeface="Arial" panose="020B0604020202020204" pitchFamily="34" charset="0"/>
+                <a:ea typeface="Calibri"/>
+                <a:cs typeface="Arial" panose="020B0604020202020204" pitchFamily="34" charset="0"/>
+                <a:sym typeface="Calibri"/>
+              </a:rPr>
+              <a:t>Y</a:t>
+            </a:r>
+            <a:endParaRPr>
+              <a:latin typeface="Arial" panose="020B0604020202020204" pitchFamily="34" charset="0"/>
+              <a:ea typeface="Calibri"/>
+              <a:cs typeface="Arial" panose="020B0604020202020204" pitchFamily="34" charset="0"/>
+              <a:sym typeface="Calibri"/>
+            </a:endParaRPr>
+          </a:p>
+        </p:txBody>
+      </p:sp>
+      <p:cxnSp>
+        <p:nvCxnSpPr>
+          <p:cNvPr id="38" name="Google Shape;141;g16c60364d53_0_5">
+            <a:extLst>
+              <a:ext uri="{FF2B5EF4-FFF2-40B4-BE49-F238E27FC236}">
+                <a16:creationId xmlns:a16="http://schemas.microsoft.com/office/drawing/2014/main" id="{F1721388-1240-4F9B-89FA-AE9560CA306C}"/>
+              </a:ext>
+            </a:extLst>
+          </p:cNvPr>
+          <p:cNvCxnSpPr>
+            <a:cxnSpLocks/>
+          </p:cNvCxnSpPr>
+          <p:nvPr/>
+        </p:nvCxnSpPr>
+        <p:spPr>
+          <a:xfrm>
+            <a:off x="2213465" y="319499"/>
+            <a:ext cx="0" cy="788543"/>
+          </a:xfrm>
+          <a:prstGeom prst="straightConnector1">
+            <a:avLst/>
+          </a:prstGeom>
+          <a:noFill/>
+          <a:ln w="9525" cap="flat" cmpd="sng">
+            <a:solidFill>
+              <a:srgbClr val="FF0000"/>
+            </a:solidFill>
+            <a:prstDash val="solid"/>
+            <a:round/>
+            <a:headEnd type="none" w="med" len="med"/>
+            <a:tailEnd type="triangle" w="med" len="med"/>
+          </a:ln>
+        </p:spPr>
+      </p:cxnSp>
+      <p:cxnSp>
+        <p:nvCxnSpPr>
+          <p:cNvPr id="39" name="Google Shape;142;g16c60364d53_0_5">
+            <a:extLst>
+              <a:ext uri="{FF2B5EF4-FFF2-40B4-BE49-F238E27FC236}">
+                <a16:creationId xmlns:a16="http://schemas.microsoft.com/office/drawing/2014/main" id="{78823B74-F466-44F6-80DB-DC1B446735F0}"/>
+              </a:ext>
+            </a:extLst>
+          </p:cNvPr>
+          <p:cNvCxnSpPr>
+            <a:cxnSpLocks/>
+          </p:cNvCxnSpPr>
+          <p:nvPr/>
+        </p:nvCxnSpPr>
+        <p:spPr>
+          <a:xfrm rot="10800000" flipH="1">
+            <a:off x="497071" y="2601728"/>
+            <a:ext cx="896725" cy="7671"/>
+          </a:xfrm>
+          <a:prstGeom prst="straightConnector1">
+            <a:avLst/>
+          </a:prstGeom>
+          <a:noFill/>
+          <a:ln w="9525" cap="flat" cmpd="sng">
+            <a:solidFill>
+              <a:srgbClr val="FF0000"/>
+            </a:solidFill>
+            <a:prstDash val="solid"/>
+            <a:round/>
+            <a:headEnd type="none" w="med" len="med"/>
+            <a:tailEnd type="triangle" w="med" len="med"/>
+          </a:ln>
+        </p:spPr>
+      </p:cxnSp>
+      <p:sp>
+        <p:nvSpPr>
+          <p:cNvPr id="40" name="Google Shape;143;g16c60364d53_0_5">
+            <a:extLst>
+              <a:ext uri="{FF2B5EF4-FFF2-40B4-BE49-F238E27FC236}">
+                <a16:creationId xmlns:a16="http://schemas.microsoft.com/office/drawing/2014/main" id="{65145E97-B532-48CE-A283-766CF40B9F15}"/>
+              </a:ext>
+            </a:extLst>
+          </p:cNvPr>
+          <p:cNvSpPr txBox="1"/>
+          <p:nvPr/>
+        </p:nvSpPr>
+        <p:spPr>
+          <a:xfrm>
+            <a:off x="1553423" y="0"/>
+            <a:ext cx="1320084" cy="491851"/>
+          </a:xfrm>
+          <a:prstGeom prst="rect">
+            <a:avLst/>
+          </a:prstGeom>
+          <a:noFill/>
+          <a:ln>
+            <a:noFill/>
+          </a:ln>
+        </p:spPr>
+        <p:txBody>
+          <a:bodyPr spcFirstLastPara="1" wrap="square" lIns="91425" tIns="91425" rIns="91425" bIns="91425" anchor="t" anchorCtr="0">
+            <a:spAutoFit/>
+          </a:bodyPr>
+          <a:lstStyle/>
+          <a:p>
+            <a:pPr algn="ctr"/>
+            <a:r>
+              <a:rPr lang="en-US" dirty="0">
+                <a:latin typeface="Arial" panose="020B0604020202020204" pitchFamily="34" charset="0"/>
+                <a:ea typeface="Calibri"/>
+                <a:cs typeface="Arial" panose="020B0604020202020204" pitchFamily="34" charset="0"/>
+                <a:sym typeface="Calibri"/>
+              </a:rPr>
+              <a:t>X Location</a:t>
+            </a:r>
+            <a:endParaRPr dirty="0">
+              <a:latin typeface="Arial" panose="020B0604020202020204" pitchFamily="34" charset="0"/>
+              <a:ea typeface="Calibri"/>
+              <a:cs typeface="Arial" panose="020B0604020202020204" pitchFamily="34" charset="0"/>
+              <a:sym typeface="Calibri"/>
+            </a:endParaRPr>
+          </a:p>
+        </p:txBody>
+      </p:sp>
+      <p:sp>
+        <p:nvSpPr>
+          <p:cNvPr id="41" name="Google Shape;144;g16c60364d53_0_5">
+            <a:extLst>
+              <a:ext uri="{FF2B5EF4-FFF2-40B4-BE49-F238E27FC236}">
+                <a16:creationId xmlns:a16="http://schemas.microsoft.com/office/drawing/2014/main" id="{CFF4B0FB-675A-4656-8FEA-62A2E955AAD0}"/>
+              </a:ext>
+            </a:extLst>
+          </p:cNvPr>
+          <p:cNvSpPr txBox="1"/>
+          <p:nvPr/>
+        </p:nvSpPr>
+        <p:spPr>
+          <a:xfrm rot="16200000">
+            <a:off x="-440247" y="2362750"/>
+            <a:ext cx="1358454" cy="477958"/>
+          </a:xfrm>
+          <a:prstGeom prst="rect">
+            <a:avLst/>
+          </a:prstGeom>
+          <a:noFill/>
+          <a:ln>
+            <a:noFill/>
+          </a:ln>
+        </p:spPr>
+        <p:txBody>
+          <a:bodyPr spcFirstLastPara="1" wrap="square" lIns="91425" tIns="91425" rIns="91425" bIns="91425" anchor="t" anchorCtr="0">
+            <a:spAutoFit/>
+          </a:bodyPr>
+          <a:lstStyle/>
+          <a:p>
+            <a:pPr algn="ctr"/>
+            <a:r>
+              <a:rPr lang="en-US" dirty="0">
+                <a:latin typeface="Arial" panose="020B0604020202020204" pitchFamily="34" charset="0"/>
+                <a:ea typeface="Calibri"/>
+                <a:cs typeface="Arial" panose="020B0604020202020204" pitchFamily="34" charset="0"/>
+                <a:sym typeface="Calibri"/>
+              </a:rPr>
+              <a:t>Y Location</a:t>
+            </a:r>
+            <a:endParaRPr dirty="0">
+              <a:latin typeface="Arial" panose="020B0604020202020204" pitchFamily="34" charset="0"/>
+              <a:ea typeface="Calibri"/>
+              <a:cs typeface="Arial" panose="020B0604020202020204" pitchFamily="34" charset="0"/>
+              <a:sym typeface="Calibri"/>
+            </a:endParaRPr>
+          </a:p>
+        </p:txBody>
+      </p:sp>
+      <p:graphicFrame>
+        <p:nvGraphicFramePr>
+          <p:cNvPr id="43" name="Google Shape;134;g16c60364d53_0_5">
+            <a:extLst>
+              <a:ext uri="{FF2B5EF4-FFF2-40B4-BE49-F238E27FC236}">
+                <a16:creationId xmlns:a16="http://schemas.microsoft.com/office/drawing/2014/main" id="{835CF200-959F-4C45-BA87-88A17EBD1697}"/>
+              </a:ext>
+            </a:extLst>
+          </p:cNvPr>
+          <p:cNvGraphicFramePr/>
           <p:nvPr>
             <p:extLst>
               <p:ext uri="{D42A27DB-BD31-4B8C-83A1-F6EECF244321}">
-                <p14:modId xmlns:p14="http://schemas.microsoft.com/office/powerpoint/2010/main" val="2437750163"/>
+                <p14:modId xmlns:p14="http://schemas.microsoft.com/office/powerpoint/2010/main" val="3185382860"/>
               </p:ext>
             </p:extLst>
           </p:nvPr>
         </p:nvGraphicFramePr>
         <p:xfrm>
-          <a:off x="6255046" y="266679"/>
-          <a:ext cx="2685144" cy="691122"/>
+          <a:off x="5189650" y="530931"/>
+          <a:ext cx="3324000" cy="3130000"/>
         </p:xfrm>
         <a:graphic>
           <a:graphicData uri="http://schemas.openxmlformats.org/drawingml/2006/table">
             <a:tbl>
               <a:tblPr>
-                <a:tableStyleId>{5C22544A-7EE6-4342-B048-85BDC9FD1C3A}</a:tableStyleId>
+                <a:noFill/>
               </a:tblPr>
               <a:tblGrid>
-                <a:gridCol w="895048">
+                <a:gridCol w="831000">
                   <a:extLst>
                     <a:ext uri="{9D8B030D-6E8A-4147-A177-3AD203B41FA5}">
-                      <a16:colId xmlns:a16="http://schemas.microsoft.com/office/drawing/2014/main" val="4031408392"/>
+                      <a16:colId xmlns:a16="http://schemas.microsoft.com/office/drawing/2014/main" val="20000"/>
                     </a:ext>
                   </a:extLst>
                 </a:gridCol>
-                <a:gridCol w="895048">
+                <a:gridCol w="831000">
                   <a:extLst>
                     <a:ext uri="{9D8B030D-6E8A-4147-A177-3AD203B41FA5}">
-                      <a16:colId xmlns:a16="http://schemas.microsoft.com/office/drawing/2014/main" val="1946811807"/>
+                      <a16:colId xmlns:a16="http://schemas.microsoft.com/office/drawing/2014/main" val="20001"/>
                     </a:ext>
                   </a:extLst>
                 </a:gridCol>
-                <a:gridCol w="895048">
+                <a:gridCol w="831000">
                   <a:extLst>
                     <a:ext uri="{9D8B030D-6E8A-4147-A177-3AD203B41FA5}">
-                      <a16:colId xmlns:a16="http://schemas.microsoft.com/office/drawing/2014/main" val="1648810522"/>
+                      <a16:colId xmlns:a16="http://schemas.microsoft.com/office/drawing/2014/main" val="20002"/>
+                    </a:ext>
+                  </a:extLst>
+                </a:gridCol>
+                <a:gridCol w="831000">
+                  <a:extLst>
+                    <a:ext uri="{9D8B030D-6E8A-4147-A177-3AD203B41FA5}">
+                      <a16:colId xmlns:a16="http://schemas.microsoft.com/office/drawing/2014/main" val="20003"/>
                     </a:ext>
                   </a:extLst>
                 </a:gridCol>
               </a:tblGrid>
-              <a:tr h="691122">
+              <a:tr h="782500">
                 <a:tc>
                   <a:txBody>
                     <a:bodyPr/>
                     <a:lstStyle/>
                     <a:p>
-                      <a:pPr algn="ctr"/>
-                      <a:r>
-                        <a:rPr lang="en-US" sz="1400" dirty="0">
-                          <a:latin typeface="Arial" panose="020B0604020202020204" pitchFamily="34" charset="0"/>
-                          <a:cs typeface="Arial" panose="020B0604020202020204" pitchFamily="34" charset="0"/>
-                        </a:rPr>
-                        <a:t>X Position</a:t>
-                      </a:r>
+                      <a:pPr marL="0" lvl="0" indent="0" algn="l" rtl="0">
+                        <a:spcBef>
+                          <a:spcPts val="0"/>
+                        </a:spcBef>
+                        <a:spcAft>
+                          <a:spcPts val="0"/>
+                        </a:spcAft>
+                        <a:buNone/>
+                      </a:pPr>
+                      <a:endParaRPr/>
                     </a:p>
                   </a:txBody>
-                  <a:tcPr anchor="ctr">
-                    <a:lnL w="12700" cap="flat" cmpd="sng" algn="ctr">
-                      <a:solidFill>
-                        <a:schemeClr val="tx1"/>
-                      </a:solidFill>
-                      <a:prstDash val="solid"/>
-                      <a:round/>
-                      <a:headEnd type="none" w="med" len="med"/>
-                      <a:tailEnd type="none" w="med" len="med"/>
-                    </a:lnL>
-                    <a:lnR w="12700" cap="flat" cmpd="sng" algn="ctr">
-                      <a:solidFill>
-                        <a:schemeClr val="tx1"/>
-                      </a:solidFill>
-                      <a:prstDash val="solid"/>
-                      <a:round/>
-                      <a:headEnd type="none" w="med" len="med"/>
-                      <a:tailEnd type="none" w="med" len="med"/>
-                    </a:lnR>
-                    <a:lnT w="12700" cap="flat" cmpd="sng" algn="ctr">
-                      <a:solidFill>
-                        <a:schemeClr val="tx1"/>
-                      </a:solidFill>
-                      <a:prstDash val="solid"/>
-                      <a:round/>
-                      <a:headEnd type="none" w="med" len="med"/>
-                      <a:tailEnd type="none" w="med" len="med"/>
-                    </a:lnT>
-                    <a:lnB w="12700" cap="flat" cmpd="sng" algn="ctr">
-                      <a:solidFill>
-                        <a:schemeClr val="tx1"/>
-                      </a:solidFill>
-                      <a:prstDash val="solid"/>
-                      <a:round/>
-                      <a:headEnd type="none" w="med" len="med"/>
-                      <a:tailEnd type="none" w="med" len="med"/>
-                    </a:lnB>
-                    <a:lnTlToBr w="12700" cmpd="sng">
-                      <a:noFill/>
-                      <a:prstDash val="solid"/>
-                    </a:lnTlToBr>
-                    <a:lnBlToTr w="12700" cmpd="sng">
-                      <a:noFill/>
-                      <a:prstDash val="solid"/>
-                    </a:lnBlToTr>
-                    <a:solidFill>
-                      <a:schemeClr val="accent1">
-                        <a:lumMod val="20000"/>
-                        <a:lumOff val="80000"/>
-                      </a:schemeClr>
-                    </a:solidFill>
-                  </a:tcPr>
+                  <a:tcPr marL="91425" marR="91425" marT="91425" marB="91425"/>
                 </a:tc>
                 <a:tc>
                   <a:txBody>
                     <a:bodyPr/>
                     <a:lstStyle/>
                     <a:p>
-                      <a:pPr marL="0" marR="0" lvl="0" indent="0" algn="ctr" defTabSz="914400" rtl="0" eaLnBrk="1" fontAlgn="auto" latinLnBrk="0" hangingPunct="1">
-                        <a:lnSpc>
-                          <a:spcPct val="100000"/>
-                        </a:lnSpc>
+                      <a:pPr marL="0" lvl="0" indent="0" algn="l" rtl="0">
                         <a:spcBef>
                           <a:spcPts val="0"/>
                         </a:spcBef>
                         <a:spcAft>
                           <a:spcPts val="0"/>
                         </a:spcAft>
-                        <a:buClrTx/>
-                        <a:buSzTx/>
-                        <a:buFontTx/>
                         <a:buNone/>
-                        <a:tabLst/>
-                        <a:defRPr/>
                       </a:pPr>
-                      <a:r>
-                        <a:rPr lang="en-US" sz="1400" dirty="0">
-                          <a:latin typeface="Arial" panose="020B0604020202020204" pitchFamily="34" charset="0"/>
-                          <a:cs typeface="Arial" panose="020B0604020202020204" pitchFamily="34" charset="0"/>
-                        </a:rPr>
-                        <a:t>Y Position</a:t>
-                      </a:r>
+                      <a:endParaRPr/>
                     </a:p>
                   </a:txBody>
-                  <a:tcPr anchor="ctr">
-                    <a:lnL w="12700" cap="flat" cmpd="sng" algn="ctr">
-                      <a:solidFill>
-                        <a:schemeClr val="tx1"/>
-                      </a:solidFill>
-                      <a:prstDash val="solid"/>
-                      <a:round/>
-                      <a:headEnd type="none" w="med" len="med"/>
-                      <a:tailEnd type="none" w="med" len="med"/>
-                    </a:lnL>
-                    <a:lnR w="12700" cap="flat" cmpd="sng" algn="ctr">
-                      <a:solidFill>
-                        <a:schemeClr val="tx1"/>
-                      </a:solidFill>
-                      <a:prstDash val="solid"/>
-                      <a:round/>
-                      <a:headEnd type="none" w="med" len="med"/>
-                      <a:tailEnd type="none" w="med" len="med"/>
-                    </a:lnR>
-                    <a:lnT w="12700" cap="flat" cmpd="sng" algn="ctr">
-                      <a:solidFill>
-                        <a:schemeClr val="tx1"/>
-                      </a:solidFill>
-                      <a:prstDash val="solid"/>
-                      <a:round/>
-                      <a:headEnd type="none" w="med" len="med"/>
-                      <a:tailEnd type="none" w="med" len="med"/>
-                    </a:lnT>
-                    <a:lnB w="12700" cap="flat" cmpd="sng" algn="ctr">
-                      <a:solidFill>
-                        <a:schemeClr val="tx1"/>
-                      </a:solidFill>
-                      <a:prstDash val="solid"/>
-                      <a:round/>
-                      <a:headEnd type="none" w="med" len="med"/>
-                      <a:tailEnd type="none" w="med" len="med"/>
-                    </a:lnB>
-                    <a:lnTlToBr w="12700" cmpd="sng">
-                      <a:noFill/>
-                      <a:prstDash val="solid"/>
-                    </a:lnTlToBr>
-                    <a:lnBlToTr w="12700" cmpd="sng">
-                      <a:noFill/>
-                      <a:prstDash val="solid"/>
-                    </a:lnBlToTr>
-                    <a:solidFill>
-                      <a:schemeClr val="accent1">
-                        <a:lumMod val="40000"/>
-                        <a:lumOff val="60000"/>
-                      </a:schemeClr>
-                    </a:solidFill>
-                  </a:tcPr>
+                  <a:tcPr marL="91425" marR="91425" marT="91425" marB="91425"/>
                 </a:tc>
                 <a:tc>
                   <a:txBody>
                     <a:bodyPr/>
                     <a:lstStyle/>
                     <a:p>
-                      <a:pPr algn="ctr"/>
-                      <a:r>
-                        <a:rPr lang="en-US" sz="1400" dirty="0">
-                          <a:latin typeface="Arial" panose="020B0604020202020204" pitchFamily="34" charset="0"/>
-                          <a:cs typeface="Arial" panose="020B0604020202020204" pitchFamily="34" charset="0"/>
-                        </a:rPr>
-                        <a:t>Direction</a:t>
-                      </a:r>
+                      <a:pPr marL="0" lvl="0" indent="0" algn="l" rtl="0">
+                        <a:spcBef>
+                          <a:spcPts val="0"/>
+                        </a:spcBef>
+                        <a:spcAft>
+                          <a:spcPts val="0"/>
+                        </a:spcAft>
+                        <a:buNone/>
+                      </a:pPr>
+                      <a:endParaRPr/>
                     </a:p>
                   </a:txBody>
-                  <a:tcPr anchor="ctr">
-                    <a:lnL w="12700" cap="flat" cmpd="sng" algn="ctr">
-                      <a:solidFill>
-                        <a:schemeClr val="tx1"/>
-                      </a:solidFill>
-                      <a:prstDash val="solid"/>
-                      <a:round/>
-                      <a:headEnd type="none" w="med" len="med"/>
-                      <a:tailEnd type="none" w="med" len="med"/>
-                    </a:lnL>
-                    <a:lnR w="12700" cap="flat" cmpd="sng" algn="ctr">
-                      <a:solidFill>
-                        <a:schemeClr val="tx1"/>
-                      </a:solidFill>
-                      <a:prstDash val="solid"/>
-                      <a:round/>
-                      <a:headEnd type="none" w="med" len="med"/>
-                      <a:tailEnd type="none" w="med" len="med"/>
-                    </a:lnR>
-                    <a:lnT w="12700" cap="flat" cmpd="sng" algn="ctr">
-                      <a:solidFill>
-                        <a:schemeClr val="tx1"/>
-                      </a:solidFill>
-                      <a:prstDash val="solid"/>
-                      <a:round/>
-                      <a:headEnd type="none" w="med" len="med"/>
-                      <a:tailEnd type="none" w="med" len="med"/>
-                    </a:lnT>
-                    <a:lnB w="12700" cap="flat" cmpd="sng" algn="ctr">
-                      <a:solidFill>
-                        <a:schemeClr val="tx1"/>
-                      </a:solidFill>
-                      <a:prstDash val="solid"/>
-                      <a:round/>
-                      <a:headEnd type="none" w="med" len="med"/>
-                      <a:tailEnd type="none" w="med" len="med"/>
-                    </a:lnB>
-                    <a:lnTlToBr w="12700" cmpd="sng">
-                      <a:noFill/>
-                      <a:prstDash val="solid"/>
-                    </a:lnTlToBr>
-                    <a:lnBlToTr w="12700" cmpd="sng">
-                      <a:noFill/>
-                      <a:prstDash val="solid"/>
-                    </a:lnBlToTr>
-                    <a:solidFill>
-                      <a:schemeClr val="accent1">
-                        <a:lumMod val="60000"/>
-                        <a:lumOff val="40000"/>
-                      </a:schemeClr>
-                    </a:solidFill>
-                  </a:tcPr>
+                  <a:tcPr marL="91425" marR="91425" marT="91425" marB="91425"/>
+                </a:tc>
+                <a:tc>
+                  <a:txBody>
+                    <a:bodyPr/>
+                    <a:lstStyle/>
+                    <a:p>
+                      <a:pPr marL="0" lvl="0" indent="0" algn="l" rtl="0">
+                        <a:spcBef>
+                          <a:spcPts val="0"/>
+                        </a:spcBef>
+                        <a:spcAft>
+                          <a:spcPts val="0"/>
+                        </a:spcAft>
+                        <a:buNone/>
+                      </a:pPr>
+                      <a:endParaRPr/>
+                    </a:p>
+                  </a:txBody>
+                  <a:tcPr marL="91425" marR="91425" marT="91425" marB="91425"/>
                 </a:tc>
                 <a:extLst>
                   <a:ext uri="{0D108BD9-81ED-4DB2-BD59-A6C34878D82A}">
-                    <a16:rowId xmlns:a16="http://schemas.microsoft.com/office/drawing/2014/main" val="912868632"/>
+                    <a16:rowId xmlns:a16="http://schemas.microsoft.com/office/drawing/2014/main" val="10000"/>
+                  </a:ext>
+                </a:extLst>
+              </a:tr>
+              <a:tr h="782500">
+                <a:tc>
+                  <a:txBody>
+                    <a:bodyPr/>
+                    <a:lstStyle/>
+                    <a:p>
+                      <a:pPr marL="0" lvl="0" indent="0" algn="l" rtl="0">
+                        <a:spcBef>
+                          <a:spcPts val="0"/>
+                        </a:spcBef>
+                        <a:spcAft>
+                          <a:spcPts val="0"/>
+                        </a:spcAft>
+                        <a:buNone/>
+                      </a:pPr>
+                      <a:endParaRPr/>
+                    </a:p>
+                  </a:txBody>
+                  <a:tcPr marL="91425" marR="91425" marT="91425" marB="91425"/>
+                </a:tc>
+                <a:tc>
+                  <a:txBody>
+                    <a:bodyPr/>
+                    <a:lstStyle/>
+                    <a:p>
+                      <a:pPr marL="0" lvl="0" indent="0" algn="l" rtl="0">
+                        <a:spcBef>
+                          <a:spcPts val="0"/>
+                        </a:spcBef>
+                        <a:spcAft>
+                          <a:spcPts val="0"/>
+                        </a:spcAft>
+                        <a:buNone/>
+                      </a:pPr>
+                      <a:endParaRPr/>
+                    </a:p>
+                  </a:txBody>
+                  <a:tcPr marL="91425" marR="91425" marT="91425" marB="91425"/>
+                </a:tc>
+                <a:tc>
+                  <a:txBody>
+                    <a:bodyPr/>
+                    <a:lstStyle/>
+                    <a:p>
+                      <a:pPr marL="0" lvl="0" indent="0" algn="l" rtl="0">
+                        <a:spcBef>
+                          <a:spcPts val="0"/>
+                        </a:spcBef>
+                        <a:spcAft>
+                          <a:spcPts val="0"/>
+                        </a:spcAft>
+                        <a:buNone/>
+                      </a:pPr>
+                      <a:endParaRPr dirty="0"/>
+                    </a:p>
+                  </a:txBody>
+                  <a:tcPr marL="91425" marR="91425" marT="91425" marB="91425"/>
+                </a:tc>
+                <a:tc>
+                  <a:txBody>
+                    <a:bodyPr/>
+                    <a:lstStyle/>
+                    <a:p>
+                      <a:pPr marL="0" lvl="0" indent="0" algn="l" rtl="0">
+                        <a:spcBef>
+                          <a:spcPts val="0"/>
+                        </a:spcBef>
+                        <a:spcAft>
+                          <a:spcPts val="0"/>
+                        </a:spcAft>
+                        <a:buNone/>
+                      </a:pPr>
+                      <a:endParaRPr/>
+                    </a:p>
+                  </a:txBody>
+                  <a:tcPr marL="91425" marR="91425" marT="91425" marB="91425"/>
+                </a:tc>
+                <a:extLst>
+                  <a:ext uri="{0D108BD9-81ED-4DB2-BD59-A6C34878D82A}">
+                    <a16:rowId xmlns:a16="http://schemas.microsoft.com/office/drawing/2014/main" val="10001"/>
+                  </a:ext>
+                </a:extLst>
+              </a:tr>
+              <a:tr h="782500">
+                <a:tc>
+                  <a:txBody>
+                    <a:bodyPr/>
+                    <a:lstStyle/>
+                    <a:p>
+                      <a:pPr marL="0" lvl="0" indent="0" algn="l" rtl="0">
+                        <a:spcBef>
+                          <a:spcPts val="0"/>
+                        </a:spcBef>
+                        <a:spcAft>
+                          <a:spcPts val="0"/>
+                        </a:spcAft>
+                        <a:buNone/>
+                      </a:pPr>
+                      <a:endParaRPr/>
+                    </a:p>
+                  </a:txBody>
+                  <a:tcPr marL="91425" marR="91425" marT="91425" marB="91425"/>
+                </a:tc>
+                <a:tc>
+                  <a:txBody>
+                    <a:bodyPr/>
+                    <a:lstStyle/>
+                    <a:p>
+                      <a:pPr marL="0" lvl="0" indent="0" algn="l" rtl="0">
+                        <a:spcBef>
+                          <a:spcPts val="0"/>
+                        </a:spcBef>
+                        <a:spcAft>
+                          <a:spcPts val="0"/>
+                        </a:spcAft>
+                        <a:buNone/>
+                      </a:pPr>
+                      <a:endParaRPr/>
+                    </a:p>
+                  </a:txBody>
+                  <a:tcPr marL="91425" marR="91425" marT="91425" marB="91425"/>
+                </a:tc>
+                <a:tc>
+                  <a:txBody>
+                    <a:bodyPr/>
+                    <a:lstStyle/>
+                    <a:p>
+                      <a:pPr marL="0" lvl="0" indent="0" algn="l" rtl="0">
+                        <a:spcBef>
+                          <a:spcPts val="0"/>
+                        </a:spcBef>
+                        <a:spcAft>
+                          <a:spcPts val="0"/>
+                        </a:spcAft>
+                        <a:buNone/>
+                      </a:pPr>
+                      <a:endParaRPr/>
+                    </a:p>
+                  </a:txBody>
+                  <a:tcPr marL="91425" marR="91425" marT="91425" marB="91425"/>
+                </a:tc>
+                <a:tc>
+                  <a:txBody>
+                    <a:bodyPr/>
+                    <a:lstStyle/>
+                    <a:p>
+                      <a:pPr marL="0" lvl="0" indent="0" algn="l" rtl="0">
+                        <a:spcBef>
+                          <a:spcPts val="0"/>
+                        </a:spcBef>
+                        <a:spcAft>
+                          <a:spcPts val="0"/>
+                        </a:spcAft>
+                        <a:buNone/>
+                      </a:pPr>
+                      <a:endParaRPr/>
+                    </a:p>
+                  </a:txBody>
+                  <a:tcPr marL="91425" marR="91425" marT="91425" marB="91425"/>
+                </a:tc>
+                <a:extLst>
+                  <a:ext uri="{0D108BD9-81ED-4DB2-BD59-A6C34878D82A}">
+                    <a16:rowId xmlns:a16="http://schemas.microsoft.com/office/drawing/2014/main" val="10002"/>
+                  </a:ext>
+                </a:extLst>
+              </a:tr>
+              <a:tr h="782500">
+                <a:tc>
+                  <a:txBody>
+                    <a:bodyPr/>
+                    <a:lstStyle/>
+                    <a:p>
+                      <a:pPr marL="0" lvl="0" indent="0" algn="l" rtl="0">
+                        <a:spcBef>
+                          <a:spcPts val="0"/>
+                        </a:spcBef>
+                        <a:spcAft>
+                          <a:spcPts val="0"/>
+                        </a:spcAft>
+                        <a:buNone/>
+                      </a:pPr>
+                      <a:endParaRPr dirty="0"/>
+                    </a:p>
+                  </a:txBody>
+                  <a:tcPr marL="91425" marR="91425" marT="91425" marB="91425"/>
+                </a:tc>
+                <a:tc>
+                  <a:txBody>
+                    <a:bodyPr/>
+                    <a:lstStyle/>
+                    <a:p>
+                      <a:pPr marL="0" lvl="0" indent="0" algn="l" rtl="0">
+                        <a:spcBef>
+                          <a:spcPts val="0"/>
+                        </a:spcBef>
+                        <a:spcAft>
+                          <a:spcPts val="0"/>
+                        </a:spcAft>
+                        <a:buNone/>
+                      </a:pPr>
+                      <a:endParaRPr/>
+                    </a:p>
+                  </a:txBody>
+                  <a:tcPr marL="91425" marR="91425" marT="91425" marB="91425"/>
+                </a:tc>
+                <a:tc>
+                  <a:txBody>
+                    <a:bodyPr/>
+                    <a:lstStyle/>
+                    <a:p>
+                      <a:pPr marL="0" lvl="0" indent="0" algn="l" rtl="0">
+                        <a:spcBef>
+                          <a:spcPts val="0"/>
+                        </a:spcBef>
+                        <a:spcAft>
+                          <a:spcPts val="0"/>
+                        </a:spcAft>
+                        <a:buNone/>
+                      </a:pPr>
+                      <a:endParaRPr/>
+                    </a:p>
+                  </a:txBody>
+                  <a:tcPr marL="91425" marR="91425" marT="91425" marB="91425"/>
+                </a:tc>
+                <a:tc>
+                  <a:txBody>
+                    <a:bodyPr/>
+                    <a:lstStyle/>
+                    <a:p>
+                      <a:pPr marL="0" lvl="0" indent="0" algn="l" rtl="0">
+                        <a:spcBef>
+                          <a:spcPts val="0"/>
+                        </a:spcBef>
+                        <a:spcAft>
+                          <a:spcPts val="0"/>
+                        </a:spcAft>
+                        <a:buNone/>
+                      </a:pPr>
+                      <a:endParaRPr dirty="0"/>
+                    </a:p>
+                  </a:txBody>
+                  <a:tcPr marL="91425" marR="91425" marT="91425" marB="91425"/>
+                </a:tc>
+                <a:extLst>
+                  <a:ext uri="{0D108BD9-81ED-4DB2-BD59-A6C34878D82A}">
+                    <a16:rowId xmlns:a16="http://schemas.microsoft.com/office/drawing/2014/main" val="10003"/>
                   </a:ext>
                 </a:extLst>
               </a:tr>
@@ -3777,414 +4469,80 @@
           </a:graphicData>
         </a:graphic>
       </p:graphicFrame>
-      <p:grpSp>
-        <p:nvGrpSpPr>
-          <p:cNvPr id="46" name="Group 45">
+      <p:cxnSp>
+        <p:nvCxnSpPr>
+          <p:cNvPr id="44" name="Google Shape;135;g16c60364d53_0_5">
             <a:extLst>
               <a:ext uri="{FF2B5EF4-FFF2-40B4-BE49-F238E27FC236}">
-                <a16:creationId xmlns:a16="http://schemas.microsoft.com/office/drawing/2014/main" id="{8220910A-F2C5-44D4-A7D4-FD13851261EF}"/>
+                <a16:creationId xmlns:a16="http://schemas.microsoft.com/office/drawing/2014/main" id="{C71A2ACC-55E7-43A9-984D-D41797EC8225}"/>
               </a:ext>
             </a:extLst>
           </p:cNvPr>
-          <p:cNvGrpSpPr/>
+          <p:cNvCxnSpPr>
+            <a:cxnSpLocks/>
+          </p:cNvCxnSpPr>
           <p:nvPr/>
-        </p:nvGrpSpPr>
-        <p:grpSpPr>
+        </p:nvCxnSpPr>
+        <p:spPr>
           <a:xfrm>
-            <a:off x="185897" y="1062334"/>
-            <a:ext cx="2685144" cy="235132"/>
-            <a:chOff x="847634" y="2142308"/>
-            <a:chExt cx="2685144" cy="235132"/>
+            <a:off x="5176579" y="461144"/>
+            <a:ext cx="3463279" cy="0"/>
           </a:xfrm>
-        </p:grpSpPr>
-        <p:cxnSp>
-          <p:nvCxnSpPr>
-            <p:cNvPr id="47" name="Straight Connector 46">
-              <a:extLst>
-                <a:ext uri="{FF2B5EF4-FFF2-40B4-BE49-F238E27FC236}">
-                  <a16:creationId xmlns:a16="http://schemas.microsoft.com/office/drawing/2014/main" id="{8D7CB926-D6B9-4A3E-97B6-FC34D3985990}"/>
-                </a:ext>
-              </a:extLst>
-            </p:cNvPr>
-            <p:cNvCxnSpPr/>
-            <p:nvPr/>
-          </p:nvCxnSpPr>
-          <p:spPr>
-            <a:xfrm>
-              <a:off x="847634" y="2142309"/>
-              <a:ext cx="0" cy="235131"/>
-            </a:xfrm>
-            <a:prstGeom prst="line">
-              <a:avLst/>
-            </a:prstGeom>
-            <a:ln w="12700"/>
-          </p:spPr>
-          <p:style>
-            <a:lnRef idx="1">
-              <a:schemeClr val="dk1"/>
-            </a:lnRef>
-            <a:fillRef idx="0">
-              <a:schemeClr val="dk1"/>
-            </a:fillRef>
-            <a:effectRef idx="0">
-              <a:schemeClr val="dk1"/>
-            </a:effectRef>
-            <a:fontRef idx="minor">
-              <a:schemeClr val="tx1"/>
-            </a:fontRef>
-          </p:style>
-        </p:cxnSp>
-        <p:cxnSp>
-          <p:nvCxnSpPr>
-            <p:cNvPr id="48" name="Straight Connector 47">
-              <a:extLst>
-                <a:ext uri="{FF2B5EF4-FFF2-40B4-BE49-F238E27FC236}">
-                  <a16:creationId xmlns:a16="http://schemas.microsoft.com/office/drawing/2014/main" id="{BDCA95B5-0955-4D99-BF0F-F16E15C05647}"/>
-                </a:ext>
-              </a:extLst>
-            </p:cNvPr>
-            <p:cNvCxnSpPr/>
-            <p:nvPr/>
-          </p:nvCxnSpPr>
-          <p:spPr>
-            <a:xfrm>
-              <a:off x="3532778" y="2142308"/>
-              <a:ext cx="0" cy="235131"/>
-            </a:xfrm>
-            <a:prstGeom prst="line">
-              <a:avLst/>
-            </a:prstGeom>
-            <a:ln w="12700"/>
-          </p:spPr>
-          <p:style>
-            <a:lnRef idx="1">
-              <a:schemeClr val="dk1"/>
-            </a:lnRef>
-            <a:fillRef idx="0">
-              <a:schemeClr val="dk1"/>
-            </a:fillRef>
-            <a:effectRef idx="0">
-              <a:schemeClr val="dk1"/>
-            </a:effectRef>
-            <a:fontRef idx="minor">
-              <a:schemeClr val="tx1"/>
-            </a:fontRef>
-          </p:style>
-        </p:cxnSp>
-        <p:cxnSp>
-          <p:nvCxnSpPr>
-            <p:cNvPr id="49" name="Straight Connector 48">
-              <a:extLst>
-                <a:ext uri="{FF2B5EF4-FFF2-40B4-BE49-F238E27FC236}">
-                  <a16:creationId xmlns:a16="http://schemas.microsoft.com/office/drawing/2014/main" id="{7F48A64B-C3FB-4121-A08C-F51D2E3D7EC7}"/>
-                </a:ext>
-              </a:extLst>
-            </p:cNvPr>
-            <p:cNvCxnSpPr>
-              <a:cxnSpLocks/>
-            </p:cNvCxnSpPr>
-            <p:nvPr/>
-          </p:nvCxnSpPr>
-          <p:spPr>
-            <a:xfrm>
-              <a:off x="847634" y="2377439"/>
-              <a:ext cx="2685144" cy="0"/>
-            </a:xfrm>
-            <a:prstGeom prst="line">
-              <a:avLst/>
-            </a:prstGeom>
-            <a:ln w="12700"/>
-          </p:spPr>
-          <p:style>
-            <a:lnRef idx="1">
-              <a:schemeClr val="dk1"/>
-            </a:lnRef>
-            <a:fillRef idx="0">
-              <a:schemeClr val="dk1"/>
-            </a:fillRef>
-            <a:effectRef idx="0">
-              <a:schemeClr val="dk1"/>
-            </a:effectRef>
-            <a:fontRef idx="minor">
-              <a:schemeClr val="tx1"/>
-            </a:fontRef>
-          </p:style>
-        </p:cxnSp>
-      </p:grpSp>
-      <p:grpSp>
-        <p:nvGrpSpPr>
-          <p:cNvPr id="50" name="Group 49">
+          <a:prstGeom prst="straightConnector1">
+            <a:avLst/>
+          </a:prstGeom>
+          <a:noFill/>
+          <a:ln w="9525" cap="flat" cmpd="sng">
+            <a:solidFill>
+              <a:schemeClr val="dk2"/>
+            </a:solidFill>
+            <a:prstDash val="solid"/>
+            <a:round/>
+            <a:headEnd type="none" w="med" len="med"/>
+            <a:tailEnd type="triangle" w="med" len="med"/>
+          </a:ln>
+        </p:spPr>
+      </p:cxnSp>
+      <p:cxnSp>
+        <p:nvCxnSpPr>
+          <p:cNvPr id="45" name="Google Shape;136;g16c60364d53_0_5">
             <a:extLst>
               <a:ext uri="{FF2B5EF4-FFF2-40B4-BE49-F238E27FC236}">
-                <a16:creationId xmlns:a16="http://schemas.microsoft.com/office/drawing/2014/main" id="{042B6CE9-4819-4752-8437-4916D1F71D3B}"/>
+                <a16:creationId xmlns:a16="http://schemas.microsoft.com/office/drawing/2014/main" id="{B7088599-C127-49B2-A913-C832CE613B49}"/>
               </a:ext>
             </a:extLst>
           </p:cNvPr>
-          <p:cNvGrpSpPr/>
+          <p:cNvCxnSpPr>
+            <a:cxnSpLocks/>
+          </p:cNvCxnSpPr>
           <p:nvPr/>
-        </p:nvGrpSpPr>
-        <p:grpSpPr>
+        </p:nvCxnSpPr>
+        <p:spPr>
           <a:xfrm>
-            <a:off x="2871041" y="1062333"/>
-            <a:ext cx="2685144" cy="235132"/>
-            <a:chOff x="847634" y="2142308"/>
-            <a:chExt cx="2685144" cy="235132"/>
+            <a:off x="5092300" y="540014"/>
+            <a:ext cx="0" cy="3319742"/>
           </a:xfrm>
-        </p:grpSpPr>
-        <p:cxnSp>
-          <p:nvCxnSpPr>
-            <p:cNvPr id="51" name="Straight Connector 50">
-              <a:extLst>
-                <a:ext uri="{FF2B5EF4-FFF2-40B4-BE49-F238E27FC236}">
-                  <a16:creationId xmlns:a16="http://schemas.microsoft.com/office/drawing/2014/main" id="{63D267C6-3A96-4C06-A9ED-2A5C6B5BCCB4}"/>
-                </a:ext>
-              </a:extLst>
-            </p:cNvPr>
-            <p:cNvCxnSpPr/>
-            <p:nvPr/>
-          </p:nvCxnSpPr>
-          <p:spPr>
-            <a:xfrm>
-              <a:off x="847634" y="2142309"/>
-              <a:ext cx="0" cy="235131"/>
-            </a:xfrm>
-            <a:prstGeom prst="line">
-              <a:avLst/>
-            </a:prstGeom>
-            <a:ln w="12700"/>
-          </p:spPr>
-          <p:style>
-            <a:lnRef idx="1">
-              <a:schemeClr val="dk1"/>
-            </a:lnRef>
-            <a:fillRef idx="0">
-              <a:schemeClr val="dk1"/>
-            </a:fillRef>
-            <a:effectRef idx="0">
-              <a:schemeClr val="dk1"/>
-            </a:effectRef>
-            <a:fontRef idx="minor">
-              <a:schemeClr val="tx1"/>
-            </a:fontRef>
-          </p:style>
-        </p:cxnSp>
-        <p:cxnSp>
-          <p:nvCxnSpPr>
-            <p:cNvPr id="52" name="Straight Connector 51">
-              <a:extLst>
-                <a:ext uri="{FF2B5EF4-FFF2-40B4-BE49-F238E27FC236}">
-                  <a16:creationId xmlns:a16="http://schemas.microsoft.com/office/drawing/2014/main" id="{474877EB-704A-40DF-B06E-242D79C75E4E}"/>
-                </a:ext>
-              </a:extLst>
-            </p:cNvPr>
-            <p:cNvCxnSpPr/>
-            <p:nvPr/>
-          </p:nvCxnSpPr>
-          <p:spPr>
-            <a:xfrm>
-              <a:off x="3532778" y="2142308"/>
-              <a:ext cx="0" cy="235131"/>
-            </a:xfrm>
-            <a:prstGeom prst="line">
-              <a:avLst/>
-            </a:prstGeom>
-            <a:ln w="12700"/>
-          </p:spPr>
-          <p:style>
-            <a:lnRef idx="1">
-              <a:schemeClr val="dk1"/>
-            </a:lnRef>
-            <a:fillRef idx="0">
-              <a:schemeClr val="dk1"/>
-            </a:fillRef>
-            <a:effectRef idx="0">
-              <a:schemeClr val="dk1"/>
-            </a:effectRef>
-            <a:fontRef idx="minor">
-              <a:schemeClr val="tx1"/>
-            </a:fontRef>
-          </p:style>
-        </p:cxnSp>
-        <p:cxnSp>
-          <p:nvCxnSpPr>
-            <p:cNvPr id="53" name="Straight Connector 52">
-              <a:extLst>
-                <a:ext uri="{FF2B5EF4-FFF2-40B4-BE49-F238E27FC236}">
-                  <a16:creationId xmlns:a16="http://schemas.microsoft.com/office/drawing/2014/main" id="{5062654D-D027-491A-A104-70E0C2B06C38}"/>
-                </a:ext>
-              </a:extLst>
-            </p:cNvPr>
-            <p:cNvCxnSpPr>
-              <a:cxnSpLocks/>
-            </p:cNvCxnSpPr>
-            <p:nvPr/>
-          </p:nvCxnSpPr>
-          <p:spPr>
-            <a:xfrm>
-              <a:off x="847634" y="2377439"/>
-              <a:ext cx="2685144" cy="0"/>
-            </a:xfrm>
-            <a:prstGeom prst="line">
-              <a:avLst/>
-            </a:prstGeom>
-            <a:ln w="12700"/>
-          </p:spPr>
-          <p:style>
-            <a:lnRef idx="1">
-              <a:schemeClr val="dk1"/>
-            </a:lnRef>
-            <a:fillRef idx="0">
-              <a:schemeClr val="dk1"/>
-            </a:fillRef>
-            <a:effectRef idx="0">
-              <a:schemeClr val="dk1"/>
-            </a:effectRef>
-            <a:fontRef idx="minor">
-              <a:schemeClr val="tx1"/>
-            </a:fontRef>
-          </p:style>
-        </p:cxnSp>
-      </p:grpSp>
-      <p:grpSp>
-        <p:nvGrpSpPr>
-          <p:cNvPr id="54" name="Group 53">
+          <a:prstGeom prst="straightConnector1">
+            <a:avLst/>
+          </a:prstGeom>
+          <a:noFill/>
+          <a:ln w="9525" cap="flat" cmpd="sng">
+            <a:solidFill>
+              <a:schemeClr val="dk2"/>
+            </a:solidFill>
+            <a:prstDash val="solid"/>
+            <a:round/>
+            <a:headEnd type="none" w="med" len="med"/>
+            <a:tailEnd type="triangle" w="med" len="med"/>
+          </a:ln>
+        </p:spPr>
+      </p:cxnSp>
+      <p:sp>
+        <p:nvSpPr>
+          <p:cNvPr id="46" name="Google Shape;137;g16c60364d53_0_5">
             <a:extLst>
               <a:ext uri="{FF2B5EF4-FFF2-40B4-BE49-F238E27FC236}">
-                <a16:creationId xmlns:a16="http://schemas.microsoft.com/office/drawing/2014/main" id="{55116D1E-78AF-4C73-90EF-34B49A77CED7}"/>
-              </a:ext>
-            </a:extLst>
-          </p:cNvPr>
-          <p:cNvGrpSpPr/>
-          <p:nvPr/>
-        </p:nvGrpSpPr>
-        <p:grpSpPr>
-          <a:xfrm>
-            <a:off x="6255046" y="1062332"/>
-            <a:ext cx="2685144" cy="235132"/>
-            <a:chOff x="847634" y="2142308"/>
-            <a:chExt cx="2685144" cy="235132"/>
-          </a:xfrm>
-        </p:grpSpPr>
-        <p:cxnSp>
-          <p:nvCxnSpPr>
-            <p:cNvPr id="55" name="Straight Connector 54">
-              <a:extLst>
-                <a:ext uri="{FF2B5EF4-FFF2-40B4-BE49-F238E27FC236}">
-                  <a16:creationId xmlns:a16="http://schemas.microsoft.com/office/drawing/2014/main" id="{A4B73523-9E59-482E-BC35-62C54CF2F5D5}"/>
-                </a:ext>
-              </a:extLst>
-            </p:cNvPr>
-            <p:cNvCxnSpPr/>
-            <p:nvPr/>
-          </p:nvCxnSpPr>
-          <p:spPr>
-            <a:xfrm>
-              <a:off x="847634" y="2142309"/>
-              <a:ext cx="0" cy="235131"/>
-            </a:xfrm>
-            <a:prstGeom prst="line">
-              <a:avLst/>
-            </a:prstGeom>
-            <a:ln w="12700"/>
-          </p:spPr>
-          <p:style>
-            <a:lnRef idx="1">
-              <a:schemeClr val="dk1"/>
-            </a:lnRef>
-            <a:fillRef idx="0">
-              <a:schemeClr val="dk1"/>
-            </a:fillRef>
-            <a:effectRef idx="0">
-              <a:schemeClr val="dk1"/>
-            </a:effectRef>
-            <a:fontRef idx="minor">
-              <a:schemeClr val="tx1"/>
-            </a:fontRef>
-          </p:style>
-        </p:cxnSp>
-        <p:cxnSp>
-          <p:nvCxnSpPr>
-            <p:cNvPr id="56" name="Straight Connector 55">
-              <a:extLst>
-                <a:ext uri="{FF2B5EF4-FFF2-40B4-BE49-F238E27FC236}">
-                  <a16:creationId xmlns:a16="http://schemas.microsoft.com/office/drawing/2014/main" id="{25407987-4C81-4073-BF8E-877030EABA76}"/>
-                </a:ext>
-              </a:extLst>
-            </p:cNvPr>
-            <p:cNvCxnSpPr/>
-            <p:nvPr/>
-          </p:nvCxnSpPr>
-          <p:spPr>
-            <a:xfrm>
-              <a:off x="3532778" y="2142308"/>
-              <a:ext cx="0" cy="235131"/>
-            </a:xfrm>
-            <a:prstGeom prst="line">
-              <a:avLst/>
-            </a:prstGeom>
-            <a:ln w="12700"/>
-          </p:spPr>
-          <p:style>
-            <a:lnRef idx="1">
-              <a:schemeClr val="dk1"/>
-            </a:lnRef>
-            <a:fillRef idx="0">
-              <a:schemeClr val="dk1"/>
-            </a:fillRef>
-            <a:effectRef idx="0">
-              <a:schemeClr val="dk1"/>
-            </a:effectRef>
-            <a:fontRef idx="minor">
-              <a:schemeClr val="tx1"/>
-            </a:fontRef>
-          </p:style>
-        </p:cxnSp>
-        <p:cxnSp>
-          <p:nvCxnSpPr>
-            <p:cNvPr id="57" name="Straight Connector 56">
-              <a:extLst>
-                <a:ext uri="{FF2B5EF4-FFF2-40B4-BE49-F238E27FC236}">
-                  <a16:creationId xmlns:a16="http://schemas.microsoft.com/office/drawing/2014/main" id="{027C84C7-0E19-4D5E-AC26-8C0D53F5EF82}"/>
-                </a:ext>
-              </a:extLst>
-            </p:cNvPr>
-            <p:cNvCxnSpPr>
-              <a:cxnSpLocks/>
-            </p:cNvCxnSpPr>
-            <p:nvPr/>
-          </p:nvCxnSpPr>
-          <p:spPr>
-            <a:xfrm>
-              <a:off x="847634" y="2377439"/>
-              <a:ext cx="2685144" cy="0"/>
-            </a:xfrm>
-            <a:prstGeom prst="line">
-              <a:avLst/>
-            </a:prstGeom>
-            <a:ln w="12700"/>
-          </p:spPr>
-          <p:style>
-            <a:lnRef idx="1">
-              <a:schemeClr val="dk1"/>
-            </a:lnRef>
-            <a:fillRef idx="0">
-              <a:schemeClr val="dk1"/>
-            </a:fillRef>
-            <a:effectRef idx="0">
-              <a:schemeClr val="dk1"/>
-            </a:effectRef>
-            <a:fontRef idx="minor">
-              <a:schemeClr val="tx1"/>
-            </a:fontRef>
-          </p:style>
-        </p:cxnSp>
-      </p:grpSp>
-      <p:sp>
-        <p:nvSpPr>
-          <p:cNvPr id="58" name="TextBox 57">
-            <a:extLst>
-              <a:ext uri="{FF2B5EF4-FFF2-40B4-BE49-F238E27FC236}">
-                <a16:creationId xmlns:a16="http://schemas.microsoft.com/office/drawing/2014/main" id="{27F2B391-B091-4DCC-8B31-E12C632ACEE4}"/>
+                <a16:creationId xmlns:a16="http://schemas.microsoft.com/office/drawing/2014/main" id="{6DAAB315-93BF-4B43-851E-957D18986914}"/>
               </a:ext>
             </a:extLst>
           </p:cNvPr>
@@ -4193,37 +4551,48 @@
         </p:nvSpPr>
         <p:spPr>
           <a:xfrm>
-            <a:off x="735989" y="1301763"/>
-            <a:ext cx="1584960" cy="461665"/>
+            <a:off x="4914167" y="232177"/>
+            <a:ext cx="356267" cy="491851"/>
           </a:xfrm>
           <a:prstGeom prst="rect">
             <a:avLst/>
           </a:prstGeom>
           <a:noFill/>
+          <a:ln>
+            <a:noFill/>
+          </a:ln>
         </p:spPr>
         <p:txBody>
-          <a:bodyPr wrap="square" rtlCol="0">
+          <a:bodyPr spcFirstLastPara="1" wrap="square" lIns="91425" tIns="91425" rIns="91425" bIns="91425" anchor="t" anchorCtr="0">
             <a:spAutoFit/>
           </a:bodyPr>
           <a:lstStyle/>
           <a:p>
             <a:pPr algn="ctr"/>
             <a:r>
-              <a:rPr lang="en-US" sz="2400" dirty="0">
+              <a:rPr lang="en-US">
                 <a:latin typeface="Arial" panose="020B0604020202020204" pitchFamily="34" charset="0"/>
+                <a:ea typeface="Calibri"/>
                 <a:cs typeface="Arial" panose="020B0604020202020204" pitchFamily="34" charset="0"/>
+                <a:sym typeface="Calibri"/>
               </a:rPr>
-              <a:t>Job 1</a:t>
-            </a:r>
-          </a:p>
-        </p:txBody>
-      </p:sp>
-      <p:sp>
-        <p:nvSpPr>
-          <p:cNvPr id="59" name="TextBox 58">
+              <a:t>0</a:t>
+            </a:r>
+            <a:endParaRPr>
+              <a:latin typeface="Arial" panose="020B0604020202020204" pitchFamily="34" charset="0"/>
+              <a:ea typeface="Calibri"/>
+              <a:cs typeface="Arial" panose="020B0604020202020204" pitchFamily="34" charset="0"/>
+              <a:sym typeface="Calibri"/>
+            </a:endParaRPr>
+          </a:p>
+        </p:txBody>
+      </p:sp>
+      <p:sp>
+        <p:nvSpPr>
+          <p:cNvPr id="47" name="Google Shape;138;g16c60364d53_0_5">
             <a:extLst>
               <a:ext uri="{FF2B5EF4-FFF2-40B4-BE49-F238E27FC236}">
-                <a16:creationId xmlns:a16="http://schemas.microsoft.com/office/drawing/2014/main" id="{97165B4B-68FD-4A9A-9089-7735A572662F}"/>
+                <a16:creationId xmlns:a16="http://schemas.microsoft.com/office/drawing/2014/main" id="{D965C55E-545A-4E0A-A960-0F6757D3B347}"/>
               </a:ext>
             </a:extLst>
           </p:cNvPr>
@@ -4232,37 +4601,48 @@
         </p:nvSpPr>
         <p:spPr>
           <a:xfrm>
-            <a:off x="3421133" y="1301763"/>
-            <a:ext cx="1584960" cy="461665"/>
+            <a:off x="8303805" y="221955"/>
+            <a:ext cx="840195" cy="491851"/>
           </a:xfrm>
           <a:prstGeom prst="rect">
             <a:avLst/>
           </a:prstGeom>
           <a:noFill/>
+          <a:ln>
+            <a:noFill/>
+          </a:ln>
         </p:spPr>
         <p:txBody>
-          <a:bodyPr wrap="square" rtlCol="0">
+          <a:bodyPr spcFirstLastPara="1" wrap="square" lIns="91425" tIns="91425" rIns="91425" bIns="91425" anchor="t" anchorCtr="0">
             <a:spAutoFit/>
           </a:bodyPr>
           <a:lstStyle/>
           <a:p>
             <a:pPr algn="ctr"/>
             <a:r>
-              <a:rPr lang="en-US" sz="2400" dirty="0">
+              <a:rPr lang="en-US">
                 <a:latin typeface="Arial" panose="020B0604020202020204" pitchFamily="34" charset="0"/>
+                <a:ea typeface="Calibri"/>
                 <a:cs typeface="Arial" panose="020B0604020202020204" pitchFamily="34" charset="0"/>
+                <a:sym typeface="Calibri"/>
               </a:rPr>
-              <a:t>Job 2</a:t>
-            </a:r>
-          </a:p>
-        </p:txBody>
-      </p:sp>
-      <p:sp>
-        <p:nvSpPr>
-          <p:cNvPr id="60" name="TextBox 59">
+              <a:t>X</a:t>
+            </a:r>
+            <a:endParaRPr>
+              <a:latin typeface="Arial" panose="020B0604020202020204" pitchFamily="34" charset="0"/>
+              <a:ea typeface="Calibri"/>
+              <a:cs typeface="Arial" panose="020B0604020202020204" pitchFamily="34" charset="0"/>
+              <a:sym typeface="Calibri"/>
+            </a:endParaRPr>
+          </a:p>
+        </p:txBody>
+      </p:sp>
+      <p:sp>
+        <p:nvSpPr>
+          <p:cNvPr id="48" name="Google Shape;139;g16c60364d53_0_5">
             <a:extLst>
               <a:ext uri="{FF2B5EF4-FFF2-40B4-BE49-F238E27FC236}">
-                <a16:creationId xmlns:a16="http://schemas.microsoft.com/office/drawing/2014/main" id="{5345C5A2-7550-482E-9DD4-F7AB89A50FAF}"/>
+                <a16:creationId xmlns:a16="http://schemas.microsoft.com/office/drawing/2014/main" id="{5673EF5A-9FFB-47C0-90D3-03D1BD3180B1}"/>
               </a:ext>
             </a:extLst>
           </p:cNvPr>
@@ -4271,37 +4651,97 @@
         </p:nvSpPr>
         <p:spPr>
           <a:xfrm>
-            <a:off x="6805137" y="1301763"/>
-            <a:ext cx="1584960" cy="461665"/>
+            <a:off x="4672203" y="3751165"/>
+            <a:ext cx="840195" cy="491851"/>
           </a:xfrm>
           <a:prstGeom prst="rect">
             <a:avLst/>
           </a:prstGeom>
           <a:noFill/>
+          <a:ln>
+            <a:noFill/>
+          </a:ln>
         </p:spPr>
         <p:txBody>
-          <a:bodyPr wrap="square" rtlCol="0">
+          <a:bodyPr spcFirstLastPara="1" wrap="square" lIns="91425" tIns="91425" rIns="91425" bIns="91425" anchor="t" anchorCtr="0">
             <a:spAutoFit/>
           </a:bodyPr>
           <a:lstStyle/>
           <a:p>
             <a:pPr algn="ctr"/>
             <a:r>
-              <a:rPr lang="en-US" sz="2400" dirty="0">
+              <a:rPr lang="en-US" dirty="0">
                 <a:latin typeface="Arial" panose="020B0604020202020204" pitchFamily="34" charset="0"/>
+                <a:ea typeface="Calibri"/>
                 <a:cs typeface="Arial" panose="020B0604020202020204" pitchFamily="34" charset="0"/>
+                <a:sym typeface="Calibri"/>
               </a:rPr>
-              <a:t>Job N</a:t>
-            </a:r>
-          </a:p>
-        </p:txBody>
-      </p:sp>
-      <p:sp>
-        <p:nvSpPr>
-          <p:cNvPr id="61" name="TextBox 60">
+              <a:t>Y</a:t>
+            </a:r>
+            <a:endParaRPr dirty="0">
+              <a:latin typeface="Arial" panose="020B0604020202020204" pitchFamily="34" charset="0"/>
+              <a:ea typeface="Calibri"/>
+              <a:cs typeface="Arial" panose="020B0604020202020204" pitchFamily="34" charset="0"/>
+              <a:sym typeface="Calibri"/>
+            </a:endParaRPr>
+          </a:p>
+        </p:txBody>
+      </p:sp>
+      <p:sp>
+        <p:nvSpPr>
+          <p:cNvPr id="55" name="Google Shape;150;g16c60364d53_0_5">
             <a:extLst>
               <a:ext uri="{FF2B5EF4-FFF2-40B4-BE49-F238E27FC236}">
-                <a16:creationId xmlns:a16="http://schemas.microsoft.com/office/drawing/2014/main" id="{0776F1F2-E361-429C-AE9A-6464540F45C4}"/>
+                <a16:creationId xmlns:a16="http://schemas.microsoft.com/office/drawing/2014/main" id="{EABDECB8-7F6A-4BA3-9BA7-A2B8CCD3F42E}"/>
+              </a:ext>
+            </a:extLst>
+          </p:cNvPr>
+          <p:cNvSpPr/>
+          <p:nvPr/>
+        </p:nvSpPr>
+        <p:spPr>
+          <a:xfrm>
+            <a:off x="6373407" y="2046289"/>
+            <a:ext cx="1854330" cy="240686"/>
+          </a:xfrm>
+          <a:prstGeom prst="rightArrow">
+            <a:avLst>
+              <a:gd name="adj1" fmla="val 50000"/>
+              <a:gd name="adj2" fmla="val 50000"/>
+            </a:avLst>
+          </a:prstGeom>
+          <a:solidFill>
+            <a:srgbClr val="FFFF00"/>
+          </a:solidFill>
+          <a:ln w="9525" cap="flat" cmpd="sng">
+            <a:solidFill>
+              <a:schemeClr val="dk2"/>
+            </a:solidFill>
+            <a:prstDash val="solid"/>
+            <a:round/>
+            <a:headEnd type="none" w="sm" len="sm"/>
+            <a:tailEnd type="none" w="sm" len="sm"/>
+          </a:ln>
+        </p:spPr>
+        <p:txBody>
+          <a:bodyPr spcFirstLastPara="1" wrap="square" lIns="91425" tIns="91425" rIns="91425" bIns="91425" anchor="ctr" anchorCtr="0">
+            <a:noAutofit/>
+          </a:bodyPr>
+          <a:lstStyle/>
+          <a:p>
+            <a:endParaRPr>
+              <a:latin typeface="Arial" panose="020B0604020202020204" pitchFamily="34" charset="0"/>
+              <a:cs typeface="Arial" panose="020B0604020202020204" pitchFamily="34" charset="0"/>
+            </a:endParaRPr>
+          </a:p>
+        </p:txBody>
+      </p:sp>
+      <p:sp>
+        <p:nvSpPr>
+          <p:cNvPr id="56" name="Google Shape;151;g16c60364d53_0_5">
+            <a:extLst>
+              <a:ext uri="{FF2B5EF4-FFF2-40B4-BE49-F238E27FC236}">
+                <a16:creationId xmlns:a16="http://schemas.microsoft.com/office/drawing/2014/main" id="{77828B40-A9A6-4484-B84C-539FD322A9BF}"/>
               </a:ext>
             </a:extLst>
           </p:cNvPr>
@@ -4310,229 +4750,54 @@
         </p:nvSpPr>
         <p:spPr>
           <a:xfrm>
-            <a:off x="5113136" y="713904"/>
-            <a:ext cx="1584960" cy="461665"/>
+            <a:off x="6609002" y="1704997"/>
+            <a:ext cx="1320084" cy="461635"/>
           </a:xfrm>
           <a:prstGeom prst="rect">
             <a:avLst/>
           </a:prstGeom>
           <a:noFill/>
+          <a:ln>
+            <a:noFill/>
+          </a:ln>
         </p:spPr>
         <p:txBody>
-          <a:bodyPr wrap="square" rtlCol="0">
+          <a:bodyPr spcFirstLastPara="1" wrap="square" lIns="91425" tIns="91425" rIns="91425" bIns="91425" anchor="t" anchorCtr="0">
             <a:spAutoFit/>
           </a:bodyPr>
           <a:lstStyle/>
           <a:p>
             <a:pPr algn="ctr"/>
             <a:r>
-              <a:rPr lang="en-US" sz="2400" dirty="0">
+              <a:rPr lang="en-US" dirty="0">
+                <a:solidFill>
+                  <a:srgbClr val="FFFF00"/>
+                </a:solidFill>
                 <a:latin typeface="Arial" panose="020B0604020202020204" pitchFamily="34" charset="0"/>
+                <a:ea typeface="Calibri"/>
                 <a:cs typeface="Arial" panose="020B0604020202020204" pitchFamily="34" charset="0"/>
+                <a:sym typeface="Calibri"/>
               </a:rPr>
-              <a:t>…</a:t>
-            </a:r>
-          </a:p>
-        </p:txBody>
-      </p:sp>
-      <p:grpSp>
-        <p:nvGrpSpPr>
-          <p:cNvPr id="62" name="Group 61">
+              <a:t>Orientation</a:t>
+            </a:r>
+            <a:endParaRPr dirty="0">
+              <a:solidFill>
+                <a:srgbClr val="FFFF00"/>
+              </a:solidFill>
+              <a:latin typeface="Arial" panose="020B0604020202020204" pitchFamily="34" charset="0"/>
+              <a:ea typeface="Calibri"/>
+              <a:cs typeface="Arial" panose="020B0604020202020204" pitchFamily="34" charset="0"/>
+              <a:sym typeface="Calibri"/>
+            </a:endParaRPr>
+          </a:p>
+        </p:txBody>
+      </p:sp>
+      <p:sp>
+        <p:nvSpPr>
+          <p:cNvPr id="57" name="Google Shape;143;g16c60364d53_0_5">
             <a:extLst>
               <a:ext uri="{FF2B5EF4-FFF2-40B4-BE49-F238E27FC236}">
-                <a16:creationId xmlns:a16="http://schemas.microsoft.com/office/drawing/2014/main" id="{036A98B8-E5CE-4CEE-BF37-07573FF8E1CA}"/>
-              </a:ext>
-            </a:extLst>
-          </p:cNvPr>
-          <p:cNvGrpSpPr/>
-          <p:nvPr/>
-        </p:nvGrpSpPr>
-        <p:grpSpPr>
-          <a:xfrm>
-            <a:off x="185896" y="1396348"/>
-            <a:ext cx="8754281" cy="885187"/>
-            <a:chOff x="847633" y="2476322"/>
-            <a:chExt cx="8754281" cy="885187"/>
-          </a:xfrm>
-        </p:grpSpPr>
-        <p:grpSp>
-          <p:nvGrpSpPr>
-            <p:cNvPr id="63" name="Group 62">
-              <a:extLst>
-                <a:ext uri="{FF2B5EF4-FFF2-40B4-BE49-F238E27FC236}">
-                  <a16:creationId xmlns:a16="http://schemas.microsoft.com/office/drawing/2014/main" id="{B6B5E580-9153-4951-9C46-2FE55B287855}"/>
-                </a:ext>
-              </a:extLst>
-            </p:cNvPr>
-            <p:cNvGrpSpPr/>
-            <p:nvPr/>
-          </p:nvGrpSpPr>
-          <p:grpSpPr>
-            <a:xfrm>
-              <a:off x="847633" y="2476322"/>
-              <a:ext cx="8754281" cy="680535"/>
-              <a:chOff x="847634" y="2142308"/>
-              <a:chExt cx="2685144" cy="235132"/>
-            </a:xfrm>
-          </p:grpSpPr>
-          <p:cxnSp>
-            <p:nvCxnSpPr>
-              <p:cNvPr id="65" name="Straight Connector 64">
-                <a:extLst>
-                  <a:ext uri="{FF2B5EF4-FFF2-40B4-BE49-F238E27FC236}">
-                    <a16:creationId xmlns:a16="http://schemas.microsoft.com/office/drawing/2014/main" id="{1A6885D5-A963-4402-8C00-6E7E5C392457}"/>
-                  </a:ext>
-                </a:extLst>
-              </p:cNvPr>
-              <p:cNvCxnSpPr/>
-              <p:nvPr/>
-            </p:nvCxnSpPr>
-            <p:spPr>
-              <a:xfrm>
-                <a:off x="847634" y="2142309"/>
-                <a:ext cx="0" cy="235131"/>
-              </a:xfrm>
-              <a:prstGeom prst="line">
-                <a:avLst/>
-              </a:prstGeom>
-              <a:ln w="19050"/>
-            </p:spPr>
-            <p:style>
-              <a:lnRef idx="1">
-                <a:schemeClr val="dk1"/>
-              </a:lnRef>
-              <a:fillRef idx="0">
-                <a:schemeClr val="dk1"/>
-              </a:fillRef>
-              <a:effectRef idx="0">
-                <a:schemeClr val="dk1"/>
-              </a:effectRef>
-              <a:fontRef idx="minor">
-                <a:schemeClr val="tx1"/>
-              </a:fontRef>
-            </p:style>
-          </p:cxnSp>
-          <p:cxnSp>
-            <p:nvCxnSpPr>
-              <p:cNvPr id="66" name="Straight Connector 65">
-                <a:extLst>
-                  <a:ext uri="{FF2B5EF4-FFF2-40B4-BE49-F238E27FC236}">
-                    <a16:creationId xmlns:a16="http://schemas.microsoft.com/office/drawing/2014/main" id="{07125041-74FF-4392-899D-34256BB83B7D}"/>
-                  </a:ext>
-                </a:extLst>
-              </p:cNvPr>
-              <p:cNvCxnSpPr/>
-              <p:nvPr/>
-            </p:nvCxnSpPr>
-            <p:spPr>
-              <a:xfrm>
-                <a:off x="3532778" y="2142308"/>
-                <a:ext cx="0" cy="235131"/>
-              </a:xfrm>
-              <a:prstGeom prst="line">
-                <a:avLst/>
-              </a:prstGeom>
-              <a:ln w="19050"/>
-            </p:spPr>
-            <p:style>
-              <a:lnRef idx="1">
-                <a:schemeClr val="dk1"/>
-              </a:lnRef>
-              <a:fillRef idx="0">
-                <a:schemeClr val="dk1"/>
-              </a:fillRef>
-              <a:effectRef idx="0">
-                <a:schemeClr val="dk1"/>
-              </a:effectRef>
-              <a:fontRef idx="minor">
-                <a:schemeClr val="tx1"/>
-              </a:fontRef>
-            </p:style>
-          </p:cxnSp>
-          <p:cxnSp>
-            <p:nvCxnSpPr>
-              <p:cNvPr id="67" name="Straight Connector 66">
-                <a:extLst>
-                  <a:ext uri="{FF2B5EF4-FFF2-40B4-BE49-F238E27FC236}">
-                    <a16:creationId xmlns:a16="http://schemas.microsoft.com/office/drawing/2014/main" id="{720164E3-1A6D-44A7-8B48-8F912EAEF4A3}"/>
-                  </a:ext>
-                </a:extLst>
-              </p:cNvPr>
-              <p:cNvCxnSpPr>
-                <a:cxnSpLocks/>
-              </p:cNvCxnSpPr>
-              <p:nvPr/>
-            </p:nvCxnSpPr>
-            <p:spPr>
-              <a:xfrm>
-                <a:off x="847634" y="2377439"/>
-                <a:ext cx="2685144" cy="0"/>
-              </a:xfrm>
-              <a:prstGeom prst="line">
-                <a:avLst/>
-              </a:prstGeom>
-              <a:ln w="19050"/>
-            </p:spPr>
-            <p:style>
-              <a:lnRef idx="1">
-                <a:schemeClr val="dk1"/>
-              </a:lnRef>
-              <a:fillRef idx="0">
-                <a:schemeClr val="dk1"/>
-              </a:fillRef>
-              <a:effectRef idx="0">
-                <a:schemeClr val="dk1"/>
-              </a:effectRef>
-              <a:fontRef idx="minor">
-                <a:schemeClr val="tx1"/>
-              </a:fontRef>
-            </p:style>
-          </p:cxnSp>
-        </p:grpSp>
-        <p:cxnSp>
-          <p:nvCxnSpPr>
-            <p:cNvPr id="64" name="Straight Connector 63">
-              <a:extLst>
-                <a:ext uri="{FF2B5EF4-FFF2-40B4-BE49-F238E27FC236}">
-                  <a16:creationId xmlns:a16="http://schemas.microsoft.com/office/drawing/2014/main" id="{982941BB-B8FC-45D1-89CD-EC387C25A752}"/>
-                </a:ext>
-              </a:extLst>
-            </p:cNvPr>
-            <p:cNvCxnSpPr/>
-            <p:nvPr/>
-          </p:nvCxnSpPr>
-          <p:spPr>
-            <a:xfrm>
-              <a:off x="5224773" y="3156854"/>
-              <a:ext cx="0" cy="204655"/>
-            </a:xfrm>
-            <a:prstGeom prst="line">
-              <a:avLst/>
-            </a:prstGeom>
-            <a:ln w="19050"/>
-          </p:spPr>
-          <p:style>
-            <a:lnRef idx="1">
-              <a:schemeClr val="dk1"/>
-            </a:lnRef>
-            <a:fillRef idx="0">
-              <a:schemeClr val="dk1"/>
-            </a:fillRef>
-            <a:effectRef idx="0">
-              <a:schemeClr val="dk1"/>
-            </a:effectRef>
-            <a:fontRef idx="minor">
-              <a:schemeClr val="tx1"/>
-            </a:fontRef>
-          </p:style>
-        </p:cxnSp>
-      </p:grpSp>
-      <p:sp>
-        <p:nvSpPr>
-          <p:cNvPr id="68" name="TextBox 67">
-            <a:extLst>
-              <a:ext uri="{FF2B5EF4-FFF2-40B4-BE49-F238E27FC236}">
-                <a16:creationId xmlns:a16="http://schemas.microsoft.com/office/drawing/2014/main" id="{21EFBF62-BFC2-4924-912B-D68B80F4BE64}"/>
+                <a16:creationId xmlns:a16="http://schemas.microsoft.com/office/drawing/2014/main" id="{16F4E69C-022C-4635-A39C-3139682DCD3E}"/>
               </a:ext>
             </a:extLst>
           </p:cNvPr>
@@ -4541,35 +4806,239 @@
         </p:nvSpPr>
         <p:spPr>
           <a:xfrm>
-            <a:off x="3770556" y="2281535"/>
-            <a:ext cx="1584960" cy="461665"/>
+            <a:off x="2541245" y="3612853"/>
+            <a:ext cx="2056164" cy="461635"/>
           </a:xfrm>
           <a:prstGeom prst="rect">
             <a:avLst/>
           </a:prstGeom>
           <a:noFill/>
+          <a:ln>
+            <a:noFill/>
+          </a:ln>
         </p:spPr>
         <p:txBody>
-          <a:bodyPr wrap="square" rtlCol="0">
+          <a:bodyPr spcFirstLastPara="1" wrap="square" lIns="91425" tIns="91425" rIns="91425" bIns="91425" anchor="t" anchorCtr="0">
             <a:spAutoFit/>
           </a:bodyPr>
           <a:lstStyle/>
           <a:p>
             <a:pPr algn="ctr"/>
             <a:r>
-              <a:rPr lang="en-US" sz="2400" dirty="0">
+              <a:rPr lang="en-US" dirty="0">
+                <a:solidFill>
+                  <a:schemeClr val="accent1"/>
+                </a:solidFill>
                 <a:latin typeface="Arial" panose="020B0604020202020204" pitchFamily="34" charset="0"/>
+                <a:ea typeface="Calibri"/>
                 <a:cs typeface="Arial" panose="020B0604020202020204" pitchFamily="34" charset="0"/>
+                <a:sym typeface="Calibri"/>
               </a:rPr>
-              <a:t>Full Gene</a:t>
-            </a:r>
+              <a:t>Initial Chunk</a:t>
+            </a:r>
+            <a:endParaRPr dirty="0">
+              <a:solidFill>
+                <a:schemeClr val="accent1"/>
+              </a:solidFill>
+              <a:latin typeface="Arial" panose="020B0604020202020204" pitchFamily="34" charset="0"/>
+              <a:ea typeface="Calibri"/>
+              <a:cs typeface="Arial" panose="020B0604020202020204" pitchFamily="34" charset="0"/>
+              <a:sym typeface="Calibri"/>
+            </a:endParaRPr>
+          </a:p>
+        </p:txBody>
+      </p:sp>
+      <p:cxnSp>
+        <p:nvCxnSpPr>
+          <p:cNvPr id="58" name="Straight Arrow Connector 57">
+            <a:extLst>
+              <a:ext uri="{FF2B5EF4-FFF2-40B4-BE49-F238E27FC236}">
+                <a16:creationId xmlns:a16="http://schemas.microsoft.com/office/drawing/2014/main" id="{E5681A0D-1473-4999-9371-9AAB855E62B3}"/>
+              </a:ext>
+            </a:extLst>
+          </p:cNvPr>
+          <p:cNvCxnSpPr>
+            <a:cxnSpLocks/>
+          </p:cNvCxnSpPr>
+          <p:nvPr/>
+        </p:nvCxnSpPr>
+        <p:spPr>
+          <a:xfrm flipH="1" flipV="1">
+            <a:off x="2341695" y="2767145"/>
+            <a:ext cx="918411" cy="924090"/>
+          </a:xfrm>
+          <a:prstGeom prst="straightConnector1">
+            <a:avLst/>
+          </a:prstGeom>
+          <a:ln>
+            <a:tailEnd type="triangle"/>
+          </a:ln>
+        </p:spPr>
+        <p:style>
+          <a:lnRef idx="1">
+            <a:schemeClr val="accent1"/>
+          </a:lnRef>
+          <a:fillRef idx="0">
+            <a:schemeClr val="accent1"/>
+          </a:fillRef>
+          <a:effectRef idx="0">
+            <a:schemeClr val="accent1"/>
+          </a:effectRef>
+          <a:fontRef idx="minor">
+            <a:schemeClr val="tx1"/>
+          </a:fontRef>
+        </p:style>
+      </p:cxnSp>
+      <p:sp>
+        <p:nvSpPr>
+          <p:cNvPr id="59" name="Arrow: Right 58">
+            <a:extLst>
+              <a:ext uri="{FF2B5EF4-FFF2-40B4-BE49-F238E27FC236}">
+                <a16:creationId xmlns:a16="http://schemas.microsoft.com/office/drawing/2014/main" id="{5B57E1CA-8B27-4FC1-91D6-400F4CC10BCB}"/>
+              </a:ext>
+            </a:extLst>
+          </p:cNvPr>
+          <p:cNvSpPr/>
+          <p:nvPr/>
+        </p:nvSpPr>
+        <p:spPr>
+          <a:xfrm>
+            <a:off x="4430384" y="2060789"/>
+            <a:ext cx="597009" cy="269564"/>
+          </a:xfrm>
+          <a:prstGeom prst="rightArrow">
+            <a:avLst/>
+          </a:prstGeom>
+        </p:spPr>
+        <p:style>
+          <a:lnRef idx="2">
+            <a:schemeClr val="dk1">
+              <a:shade val="50000"/>
+            </a:schemeClr>
+          </a:lnRef>
+          <a:fillRef idx="1">
+            <a:schemeClr val="dk1"/>
+          </a:fillRef>
+          <a:effectRef idx="0">
+            <a:schemeClr val="dk1"/>
+          </a:effectRef>
+          <a:fontRef idx="minor">
+            <a:schemeClr val="lt1"/>
+          </a:fontRef>
+        </p:style>
+        <p:txBody>
+          <a:bodyPr rtlCol="0" anchor="ctr"/>
+          <a:lstStyle/>
+          <a:p>
+            <a:pPr algn="ctr"/>
+            <a:endParaRPr lang="en-US"/>
+          </a:p>
+        </p:txBody>
+      </p:sp>
+      <p:sp>
+        <p:nvSpPr>
+          <p:cNvPr id="61" name="Google Shape;143;g16c60364d53_0_5">
+            <a:extLst>
+              <a:ext uri="{FF2B5EF4-FFF2-40B4-BE49-F238E27FC236}">
+                <a16:creationId xmlns:a16="http://schemas.microsoft.com/office/drawing/2014/main" id="{866FDD2F-C02E-47A3-AA56-80FFA8FFF410}"/>
+              </a:ext>
+            </a:extLst>
+          </p:cNvPr>
+          <p:cNvSpPr txBox="1"/>
+          <p:nvPr/>
+        </p:nvSpPr>
+        <p:spPr>
+          <a:xfrm>
+            <a:off x="916263" y="3983783"/>
+            <a:ext cx="3324000" cy="461635"/>
+          </a:xfrm>
+          <a:prstGeom prst="rect">
+            <a:avLst/>
+          </a:prstGeom>
+          <a:noFill/>
+          <a:ln>
+            <a:noFill/>
+          </a:ln>
+        </p:spPr>
+        <p:txBody>
+          <a:bodyPr spcFirstLastPara="1" wrap="square" lIns="91425" tIns="91425" rIns="91425" bIns="91425" anchor="t" anchorCtr="0">
+            <a:spAutoFit/>
+          </a:bodyPr>
+          <a:lstStyle/>
+          <a:p>
+            <a:pPr algn="ctr"/>
+            <a:r>
+              <a:rPr lang="en-US" dirty="0">
+                <a:latin typeface="Arial" panose="020B0604020202020204" pitchFamily="34" charset="0"/>
+                <a:ea typeface="Calibri"/>
+                <a:cs typeface="Arial" panose="020B0604020202020204" pitchFamily="34" charset="0"/>
+                <a:sym typeface="Calibri"/>
+              </a:rPr>
+              <a:t>(A) Placement of Initial Chunk</a:t>
+            </a:r>
+            <a:endParaRPr dirty="0">
+              <a:latin typeface="Arial" panose="020B0604020202020204" pitchFamily="34" charset="0"/>
+              <a:ea typeface="Calibri"/>
+              <a:cs typeface="Arial" panose="020B0604020202020204" pitchFamily="34" charset="0"/>
+              <a:sym typeface="Calibri"/>
+            </a:endParaRPr>
+          </a:p>
+        </p:txBody>
+      </p:sp>
+      <p:sp>
+        <p:nvSpPr>
+          <p:cNvPr id="63" name="Google Shape;143;g16c60364d53_0_5">
+            <a:extLst>
+              <a:ext uri="{FF2B5EF4-FFF2-40B4-BE49-F238E27FC236}">
+                <a16:creationId xmlns:a16="http://schemas.microsoft.com/office/drawing/2014/main" id="{65B78D1F-5183-490D-A6B4-948FA7241AAB}"/>
+              </a:ext>
+            </a:extLst>
+          </p:cNvPr>
+          <p:cNvSpPr txBox="1"/>
+          <p:nvPr/>
+        </p:nvSpPr>
+        <p:spPr>
+          <a:xfrm>
+            <a:off x="5189650" y="3983783"/>
+            <a:ext cx="3324000" cy="738633"/>
+          </a:xfrm>
+          <a:prstGeom prst="rect">
+            <a:avLst/>
+          </a:prstGeom>
+          <a:noFill/>
+          <a:ln>
+            <a:noFill/>
+          </a:ln>
+        </p:spPr>
+        <p:txBody>
+          <a:bodyPr spcFirstLastPara="1" wrap="square" lIns="91425" tIns="91425" rIns="91425" bIns="91425" anchor="t" anchorCtr="0">
+            <a:spAutoFit/>
+          </a:bodyPr>
+          <a:lstStyle/>
+          <a:p>
+            <a:pPr algn="ctr"/>
+            <a:r>
+              <a:rPr lang="en-US" dirty="0">
+                <a:latin typeface="Arial" panose="020B0604020202020204" pitchFamily="34" charset="0"/>
+                <a:ea typeface="Calibri"/>
+                <a:cs typeface="Arial" panose="020B0604020202020204" pitchFamily="34" charset="0"/>
+                <a:sym typeface="Calibri"/>
+              </a:rPr>
+              <a:t>(B) Placement of Remaining Chunks</a:t>
+            </a:r>
+            <a:endParaRPr dirty="0">
+              <a:latin typeface="Arial" panose="020B0604020202020204" pitchFamily="34" charset="0"/>
+              <a:ea typeface="Calibri"/>
+              <a:cs typeface="Arial" panose="020B0604020202020204" pitchFamily="34" charset="0"/>
+              <a:sym typeface="Calibri"/>
+            </a:endParaRPr>
           </a:p>
         </p:txBody>
       </p:sp>
     </p:spTree>
     <p:extLst>
       <p:ext uri="{BB962C8B-B14F-4D97-AF65-F5344CB8AC3E}">
-        <p14:creationId xmlns:p14="http://schemas.microsoft.com/office/powerpoint/2010/main" val="1873335351"/>
+        <p14:creationId xmlns:p14="http://schemas.microsoft.com/office/powerpoint/2010/main" val="4174988007"/>
       </p:ext>
     </p:extLst>
   </p:cSld>
